--- a/SCRUM-præsentation.pptx
+++ b/SCRUM-præsentation.pptx
@@ -6,9 +6,9 @@
   </p:sldMasterIdLst>
   <p:sldIdLst>
     <p:sldId id="256" r:id="rId2"/>
-    <p:sldId id="257" r:id="rId3"/>
+    <p:sldId id="258" r:id="rId3"/>
     <p:sldId id="259" r:id="rId4"/>
-    <p:sldId id="258" r:id="rId5"/>
+    <p:sldId id="257" r:id="rId5"/>
   </p:sldIdLst>
   <p:sldSz cx="12192000" cy="6858000"/>
   <p:notesSz cx="6858000" cy="9144000"/>
@@ -4113,7 +4113,7 @@
           <p:cNvPr id="2" name="Titel 1">
             <a:extLst>
               <a:ext uri="{FF2B5EF4-FFF2-40B4-BE49-F238E27FC236}">
-                <a16:creationId xmlns:a16="http://schemas.microsoft.com/office/drawing/2014/main" id="{78620816-C87F-4F4E-A952-F2A8B4F943EC}"/>
+                <a16:creationId xmlns:a16="http://schemas.microsoft.com/office/drawing/2014/main" id="{527B4E9E-5D42-4AB4-A861-53CBBF5754AC}"/>
               </a:ext>
             </a:extLst>
           </p:cNvPr>
@@ -4131,13 +4131,8 @@
           <a:p>
             <a:r>
               <a:rPr lang="da-DK" dirty="0"/>
-              <a:t>Dette er </a:t>
-            </a:r>
-            <a:r>
-              <a:rPr lang="da-DK" dirty="0" err="1"/>
-              <a:t>scrum</a:t>
-            </a:r>
-            <a:endParaRPr lang="da-DK" dirty="0"/>
+              <a:t>Hvad er SCRUM?</a:t>
+            </a:r>
           </a:p>
         </p:txBody>
       </p:sp>
@@ -4146,7 +4141,7 @@
           <p:cNvPr id="3" name="Pladsholder til indhold 2">
             <a:extLst>
               <a:ext uri="{FF2B5EF4-FFF2-40B4-BE49-F238E27FC236}">
-                <a16:creationId xmlns:a16="http://schemas.microsoft.com/office/drawing/2014/main" id="{DC32FF45-4A07-44A6-B5F9-2D2FC7B33C93}"/>
+                <a16:creationId xmlns:a16="http://schemas.microsoft.com/office/drawing/2014/main" id="{2B4EB9CB-D46A-4FFE-8D5B-75EDDFFB8FBE}"/>
               </a:ext>
             </a:extLst>
           </p:cNvPr>
@@ -4164,44 +4159,27 @@
           <a:p>
             <a:r>
               <a:rPr lang="da-DK" dirty="0"/>
-              <a:t>Start med at fortælle om idéen af SCRUM</a:t>
+              <a:t>Agil udviklingsmodel</a:t>
             </a:r>
           </a:p>
           <a:p>
             <a:r>
               <a:rPr lang="da-DK" dirty="0"/>
-              <a:t>Hvorfor vælge SCRUM over andet? Ex Vandfaldsmodel</a:t>
-            </a:r>
-          </a:p>
-          <a:p>
+              <a:t>Selv organiserende team</a:t>
+            </a:r>
+          </a:p>
+          <a:p>
+            <a:pPr lvl="1"/>
             <a:r>
               <a:rPr lang="da-DK" dirty="0"/>
-              <a:t>Hvad er en SPRINT? Hvad indeholder det? </a:t>
-            </a:r>
-          </a:p>
-          <a:p>
-            <a:pPr lvl="1"/>
+              <a:t>Roller</a:t>
+            </a:r>
+          </a:p>
+          <a:p>
             <a:r>
               <a:rPr lang="da-DK" dirty="0"/>
-              <a:t>Aktører</a:t>
-            </a:r>
-          </a:p>
-          <a:p>
-            <a:pPr lvl="1"/>
-            <a:r>
-              <a:rPr lang="da-DK" dirty="0"/>
-              <a:t>Hvilke begivenheder finder sted?</a:t>
-            </a:r>
-          </a:p>
-          <a:p>
-            <a:pPr lvl="1"/>
-            <a:endParaRPr lang="da-DK" dirty="0"/>
-          </a:p>
-          <a:p>
-            <a:endParaRPr lang="da-DK" dirty="0"/>
-          </a:p>
-          <a:p>
-            <a:endParaRPr lang="da-DK" dirty="0"/>
+              <a:t>Sprints</a:t>
+            </a:r>
           </a:p>
           <a:p>
             <a:endParaRPr lang="da-DK" dirty="0"/>
@@ -4211,7 +4189,7 @@
     </p:spTree>
     <p:extLst>
       <p:ext uri="{BB962C8B-B14F-4D97-AF65-F5344CB8AC3E}">
-        <p14:creationId xmlns:p14="http://schemas.microsoft.com/office/powerpoint/2010/main" val="3176154718"/>
+        <p14:creationId xmlns:p14="http://schemas.microsoft.com/office/powerpoint/2010/main" val="2841465188"/>
       </p:ext>
     </p:extLst>
   </p:cSld>
@@ -4372,7 +4350,7 @@
           <p:cNvPr id="2" name="Titel 1">
             <a:extLst>
               <a:ext uri="{FF2B5EF4-FFF2-40B4-BE49-F238E27FC236}">
-                <a16:creationId xmlns:a16="http://schemas.microsoft.com/office/drawing/2014/main" id="{527B4E9E-5D42-4AB4-A861-53CBBF5754AC}"/>
+                <a16:creationId xmlns:a16="http://schemas.microsoft.com/office/drawing/2014/main" id="{78620816-C87F-4F4E-A952-F2A8B4F943EC}"/>
               </a:ext>
             </a:extLst>
           </p:cNvPr>
@@ -4390,8 +4368,13 @@
           <a:p>
             <a:r>
               <a:rPr lang="da-DK" dirty="0"/>
-              <a:t>Hvad er SCRUM?</a:t>
-            </a:r>
+              <a:t>Dette er </a:t>
+            </a:r>
+            <a:r>
+              <a:rPr lang="da-DK" dirty="0" err="1"/>
+              <a:t>scrum</a:t>
+            </a:r>
+            <a:endParaRPr lang="da-DK" dirty="0"/>
           </a:p>
         </p:txBody>
       </p:sp>
@@ -4400,7 +4383,7 @@
           <p:cNvPr id="3" name="Pladsholder til indhold 2">
             <a:extLst>
               <a:ext uri="{FF2B5EF4-FFF2-40B4-BE49-F238E27FC236}">
-                <a16:creationId xmlns:a16="http://schemas.microsoft.com/office/drawing/2014/main" id="{2B4EB9CB-D46A-4FFE-8D5B-75EDDFFB8FBE}"/>
+                <a16:creationId xmlns:a16="http://schemas.microsoft.com/office/drawing/2014/main" id="{DC32FF45-4A07-44A6-B5F9-2D2FC7B33C93}"/>
               </a:ext>
             </a:extLst>
           </p:cNvPr>
@@ -4416,6 +4399,48 @@
           <a:bodyPr/>
           <a:lstStyle/>
           <a:p>
+            <a:r>
+              <a:rPr lang="da-DK" dirty="0"/>
+              <a:t>Start med at fortælle om idéen af SCRUM</a:t>
+            </a:r>
+          </a:p>
+          <a:p>
+            <a:r>
+              <a:rPr lang="da-DK" dirty="0"/>
+              <a:t>Hvorfor vælge SCRUM over andet? Ex Vandfaldsmodel</a:t>
+            </a:r>
+          </a:p>
+          <a:p>
+            <a:r>
+              <a:rPr lang="da-DK" dirty="0"/>
+              <a:t>Hvad er en SPRINT? Hvad indeholder det? </a:t>
+            </a:r>
+          </a:p>
+          <a:p>
+            <a:pPr lvl="1"/>
+            <a:r>
+              <a:rPr lang="da-DK" dirty="0"/>
+              <a:t>Aktører</a:t>
+            </a:r>
+          </a:p>
+          <a:p>
+            <a:pPr lvl="1"/>
+            <a:r>
+              <a:rPr lang="da-DK" dirty="0"/>
+              <a:t>Hvilke begivenheder finder sted?</a:t>
+            </a:r>
+          </a:p>
+          <a:p>
+            <a:pPr lvl="1"/>
+            <a:endParaRPr lang="da-DK" dirty="0"/>
+          </a:p>
+          <a:p>
+            <a:endParaRPr lang="da-DK" dirty="0"/>
+          </a:p>
+          <a:p>
+            <a:endParaRPr lang="da-DK" dirty="0"/>
+          </a:p>
+          <a:p>
             <a:endParaRPr lang="da-DK" dirty="0"/>
           </a:p>
         </p:txBody>
@@ -4423,7 +4448,7 @@
     </p:spTree>
     <p:extLst>
       <p:ext uri="{BB962C8B-B14F-4D97-AF65-F5344CB8AC3E}">
-        <p14:creationId xmlns:p14="http://schemas.microsoft.com/office/powerpoint/2010/main" val="2841465188"/>
+        <p14:creationId xmlns:p14="http://schemas.microsoft.com/office/powerpoint/2010/main" val="3176154718"/>
       </p:ext>
     </p:extLst>
   </p:cSld>

--- a/SCRUM-præsentation.pptx
+++ b/SCRUM-præsentation.pptx
@@ -9,6 +9,7 @@
     <p:sldId id="258" r:id="rId3"/>
     <p:sldId id="259" r:id="rId4"/>
     <p:sldId id="257" r:id="rId5"/>
+    <p:sldId id="260" r:id="rId6"/>
   </p:sldIdLst>
   <p:sldSz cx="12192000" cy="6858000"/>
   <p:notesSz cx="6858000" cy="9144000"/>
@@ -113,6 +114,1163 @@
     </p:ext>
   </p:extLst>
 </p:presentation>
+</file>
+
+<file path=ppt/charts/chart1.xml><?xml version="1.0" encoding="utf-8"?>
+<c:chartSpace xmlns:c="http://schemas.openxmlformats.org/drawingml/2006/chart" xmlns:a="http://schemas.openxmlformats.org/drawingml/2006/main" xmlns:r="http://schemas.openxmlformats.org/officeDocument/2006/relationships" xmlns:c16r2="http://schemas.microsoft.com/office/drawing/2015/06/chart">
+  <c:date1904 val="0"/>
+  <c:lang val="da-DK"/>
+  <c:roundedCorners val="0"/>
+  <mc:AlternateContent xmlns:mc="http://schemas.openxmlformats.org/markup-compatibility/2006">
+    <mc:Choice xmlns:c14="http://schemas.microsoft.com/office/drawing/2007/8/2/chart" Requires="c14">
+      <c14:style val="102"/>
+    </mc:Choice>
+    <mc:Fallback>
+      <c:style val="2"/>
+    </mc:Fallback>
+  </mc:AlternateContent>
+  <c:chart>
+    <c:title>
+      <c:tx>
+        <c:rich>
+          <a:bodyPr rot="0" spcFirstLastPara="1" vertOverflow="ellipsis" vert="horz" wrap="square" anchor="ctr" anchorCtr="1"/>
+          <a:lstStyle/>
+          <a:p>
+            <a:pPr>
+              <a:defRPr sz="1400" b="0" i="0" u="none" strike="noStrike" kern="1200" spc="0" baseline="0">
+                <a:solidFill>
+                  <a:schemeClr val="tx1">
+                    <a:lumMod val="65000"/>
+                    <a:lumOff val="35000"/>
+                  </a:schemeClr>
+                </a:solidFill>
+                <a:latin typeface="+mn-lt"/>
+                <a:ea typeface="+mn-ea"/>
+                <a:cs typeface="+mn-cs"/>
+              </a:defRPr>
+            </a:pPr>
+            <a:r>
+              <a:rPr lang="da-DK"/>
+              <a:t>Sprint 1</a:t>
+            </a:r>
+          </a:p>
+        </c:rich>
+      </c:tx>
+      <c:layout>
+        <c:manualLayout>
+          <c:xMode val="edge"/>
+          <c:yMode val="edge"/>
+          <c:x val="0.41884857500366168"/>
+          <c:y val="1.7897091722595078E-2"/>
+        </c:manualLayout>
+      </c:layout>
+      <c:overlay val="0"/>
+      <c:spPr>
+        <a:noFill/>
+        <a:ln>
+          <a:noFill/>
+        </a:ln>
+        <a:effectLst/>
+      </c:spPr>
+      <c:txPr>
+        <a:bodyPr rot="0" spcFirstLastPara="1" vertOverflow="ellipsis" vert="horz" wrap="square" anchor="ctr" anchorCtr="1"/>
+        <a:lstStyle/>
+        <a:p>
+          <a:pPr>
+            <a:defRPr sz="1400" b="0" i="0" u="none" strike="noStrike" kern="1200" spc="0" baseline="0">
+              <a:solidFill>
+                <a:schemeClr val="tx1">
+                  <a:lumMod val="65000"/>
+                  <a:lumOff val="35000"/>
+                </a:schemeClr>
+              </a:solidFill>
+              <a:latin typeface="+mn-lt"/>
+              <a:ea typeface="+mn-ea"/>
+              <a:cs typeface="+mn-cs"/>
+            </a:defRPr>
+          </a:pPr>
+          <a:endParaRPr lang="da-DK"/>
+        </a:p>
+      </c:txPr>
+    </c:title>
+    <c:autoTitleDeleted val="0"/>
+    <c:plotArea>
+      <c:layout/>
+      <c:barChart>
+        <c:barDir val="col"/>
+        <c:grouping val="clustered"/>
+        <c:varyColors val="0"/>
+        <c:ser>
+          <c:idx val="1"/>
+          <c:order val="1"/>
+          <c:tx>
+            <c:strRef>
+              <c:f>'Ark1'!$E$2</c:f>
+              <c:strCache>
+                <c:ptCount val="1"/>
+                <c:pt idx="0">
+                  <c:v>Timer tilbage</c:v>
+                </c:pt>
+              </c:strCache>
+            </c:strRef>
+          </c:tx>
+          <c:spPr>
+            <a:solidFill>
+              <a:srgbClr val="0070C0"/>
+            </a:solidFill>
+            <a:ln>
+              <a:noFill/>
+            </a:ln>
+            <a:effectLst/>
+          </c:spPr>
+          <c:invertIfNegative val="0"/>
+          <c:val>
+            <c:numRef>
+              <c:f>'Ark1'!$E$3:$E$22</c:f>
+              <c:numCache>
+                <c:formatCode>General</c:formatCode>
+                <c:ptCount val="20"/>
+                <c:pt idx="0">
+                  <c:v>383</c:v>
+                </c:pt>
+                <c:pt idx="1">
+                  <c:v>372</c:v>
+                </c:pt>
+                <c:pt idx="2">
+                  <c:v>341</c:v>
+                </c:pt>
+                <c:pt idx="3">
+                  <c:v>318</c:v>
+                </c:pt>
+                <c:pt idx="4">
+                  <c:v>299</c:v>
+                </c:pt>
+                <c:pt idx="5">
+                  <c:v>294</c:v>
+                </c:pt>
+                <c:pt idx="6">
+                  <c:v>272</c:v>
+                </c:pt>
+                <c:pt idx="7">
+                  <c:v>235</c:v>
+                </c:pt>
+                <c:pt idx="8">
+                  <c:v>220</c:v>
+                </c:pt>
+                <c:pt idx="9">
+                  <c:v>199</c:v>
+                </c:pt>
+                <c:pt idx="10">
+                  <c:v>185</c:v>
+                </c:pt>
+                <c:pt idx="11">
+                  <c:v>154</c:v>
+                </c:pt>
+                <c:pt idx="12">
+                  <c:v>140</c:v>
+                </c:pt>
+                <c:pt idx="13">
+                  <c:v>135</c:v>
+                </c:pt>
+                <c:pt idx="14">
+                  <c:v>110</c:v>
+                </c:pt>
+                <c:pt idx="15">
+                  <c:v>85</c:v>
+                </c:pt>
+                <c:pt idx="16">
+                  <c:v>65</c:v>
+                </c:pt>
+                <c:pt idx="17">
+                  <c:v>41</c:v>
+                </c:pt>
+                <c:pt idx="18">
+                  <c:v>15</c:v>
+                </c:pt>
+                <c:pt idx="19">
+                  <c:v>5</c:v>
+                </c:pt>
+              </c:numCache>
+            </c:numRef>
+          </c:val>
+          <c:extLst>
+            <c:ext xmlns:c16="http://schemas.microsoft.com/office/drawing/2014/chart" uri="{C3380CC4-5D6E-409C-BE32-E72D297353CC}">
+              <c16:uniqueId val="{00000000-2661-4FFB-9EA3-A747E1D4EF6C}"/>
+            </c:ext>
+          </c:extLst>
+        </c:ser>
+        <c:dLbls>
+          <c:showLegendKey val="0"/>
+          <c:showVal val="0"/>
+          <c:showCatName val="0"/>
+          <c:showSerName val="0"/>
+          <c:showPercent val="0"/>
+          <c:showBubbleSize val="0"/>
+        </c:dLbls>
+        <c:gapWidth val="219"/>
+        <c:axId val="929048688"/>
+        <c:axId val="848036016"/>
+      </c:barChart>
+      <c:lineChart>
+        <c:grouping val="standard"/>
+        <c:varyColors val="0"/>
+        <c:ser>
+          <c:idx val="0"/>
+          <c:order val="0"/>
+          <c:tx>
+            <c:strRef>
+              <c:f>'Ark1'!$D$2</c:f>
+              <c:strCache>
+                <c:ptCount val="1"/>
+                <c:pt idx="0">
+                  <c:v>Estimerede timer</c:v>
+                </c:pt>
+              </c:strCache>
+            </c:strRef>
+          </c:tx>
+          <c:spPr>
+            <a:ln w="28575" cap="rnd">
+              <a:solidFill>
+                <a:schemeClr val="tx1"/>
+              </a:solidFill>
+              <a:round/>
+            </a:ln>
+            <a:effectLst/>
+          </c:spPr>
+          <c:marker>
+            <c:symbol val="circle"/>
+            <c:size val="5"/>
+            <c:spPr>
+              <a:solidFill>
+                <a:schemeClr val="tx1"/>
+              </a:solidFill>
+              <a:ln w="9525">
+                <a:solidFill>
+                  <a:schemeClr val="tx1"/>
+                </a:solidFill>
+              </a:ln>
+              <a:effectLst/>
+            </c:spPr>
+          </c:marker>
+          <c:val>
+            <c:numRef>
+              <c:f>'Ark1'!$D$3:$D$22</c:f>
+              <c:numCache>
+                <c:formatCode>General</c:formatCode>
+                <c:ptCount val="20"/>
+                <c:pt idx="0">
+                  <c:v>380</c:v>
+                </c:pt>
+                <c:pt idx="1">
+                  <c:v>360</c:v>
+                </c:pt>
+                <c:pt idx="2">
+                  <c:v>340</c:v>
+                </c:pt>
+                <c:pt idx="3">
+                  <c:v>320</c:v>
+                </c:pt>
+                <c:pt idx="4">
+                  <c:v>300</c:v>
+                </c:pt>
+                <c:pt idx="5">
+                  <c:v>280</c:v>
+                </c:pt>
+                <c:pt idx="6">
+                  <c:v>260</c:v>
+                </c:pt>
+                <c:pt idx="7">
+                  <c:v>240</c:v>
+                </c:pt>
+                <c:pt idx="8">
+                  <c:v>220</c:v>
+                </c:pt>
+                <c:pt idx="9">
+                  <c:v>200</c:v>
+                </c:pt>
+                <c:pt idx="10">
+                  <c:v>180</c:v>
+                </c:pt>
+                <c:pt idx="11">
+                  <c:v>160</c:v>
+                </c:pt>
+                <c:pt idx="12">
+                  <c:v>140</c:v>
+                </c:pt>
+                <c:pt idx="13">
+                  <c:v>120</c:v>
+                </c:pt>
+                <c:pt idx="14">
+                  <c:v>100</c:v>
+                </c:pt>
+                <c:pt idx="15">
+                  <c:v>80</c:v>
+                </c:pt>
+                <c:pt idx="16">
+                  <c:v>60</c:v>
+                </c:pt>
+                <c:pt idx="17">
+                  <c:v>40</c:v>
+                </c:pt>
+                <c:pt idx="18">
+                  <c:v>20</c:v>
+                </c:pt>
+                <c:pt idx="19">
+                  <c:v>0</c:v>
+                </c:pt>
+              </c:numCache>
+            </c:numRef>
+          </c:val>
+          <c:smooth val="0"/>
+          <c:extLst>
+            <c:ext xmlns:c16="http://schemas.microsoft.com/office/drawing/2014/chart" uri="{C3380CC4-5D6E-409C-BE32-E72D297353CC}">
+              <c16:uniqueId val="{00000001-2661-4FFB-9EA3-A747E1D4EF6C}"/>
+            </c:ext>
+          </c:extLst>
+        </c:ser>
+        <c:dLbls>
+          <c:showLegendKey val="0"/>
+          <c:showVal val="0"/>
+          <c:showCatName val="0"/>
+          <c:showSerName val="0"/>
+          <c:showPercent val="0"/>
+          <c:showBubbleSize val="0"/>
+        </c:dLbls>
+        <c:marker val="1"/>
+        <c:smooth val="0"/>
+        <c:axId val="929048688"/>
+        <c:axId val="848036016"/>
+      </c:lineChart>
+      <c:catAx>
+        <c:axId val="929048688"/>
+        <c:scaling>
+          <c:orientation val="minMax"/>
+        </c:scaling>
+        <c:delete val="0"/>
+        <c:axPos val="b"/>
+        <c:title>
+          <c:tx>
+            <c:rich>
+              <a:bodyPr rot="0" spcFirstLastPara="1" vertOverflow="ellipsis" vert="horz" wrap="square" anchor="ctr" anchorCtr="1"/>
+              <a:lstStyle/>
+              <a:p>
+                <a:pPr>
+                  <a:defRPr sz="1000" b="0" i="0" u="none" strike="noStrike" kern="1200" baseline="0">
+                    <a:solidFill>
+                      <a:schemeClr val="tx1">
+                        <a:lumMod val="65000"/>
+                        <a:lumOff val="35000"/>
+                      </a:schemeClr>
+                    </a:solidFill>
+                    <a:latin typeface="+mn-lt"/>
+                    <a:ea typeface="+mn-ea"/>
+                    <a:cs typeface="+mn-cs"/>
+                  </a:defRPr>
+                </a:pPr>
+                <a:r>
+                  <a:rPr lang="da-DK"/>
+                  <a:t>Dagel</a:t>
+                </a:r>
+              </a:p>
+            </c:rich>
+          </c:tx>
+          <c:overlay val="0"/>
+          <c:spPr>
+            <a:noFill/>
+            <a:ln>
+              <a:noFill/>
+            </a:ln>
+            <a:effectLst/>
+          </c:spPr>
+          <c:txPr>
+            <a:bodyPr rot="0" spcFirstLastPara="1" vertOverflow="ellipsis" vert="horz" wrap="square" anchor="ctr" anchorCtr="1"/>
+            <a:lstStyle/>
+            <a:p>
+              <a:pPr>
+                <a:defRPr sz="1000" b="0" i="0" u="none" strike="noStrike" kern="1200" baseline="0">
+                  <a:solidFill>
+                    <a:schemeClr val="tx1">
+                      <a:lumMod val="65000"/>
+                      <a:lumOff val="35000"/>
+                    </a:schemeClr>
+                  </a:solidFill>
+                  <a:latin typeface="+mn-lt"/>
+                  <a:ea typeface="+mn-ea"/>
+                  <a:cs typeface="+mn-cs"/>
+                </a:defRPr>
+              </a:pPr>
+              <a:endParaRPr lang="da-DK"/>
+            </a:p>
+          </c:txPr>
+        </c:title>
+        <c:majorTickMark val="none"/>
+        <c:minorTickMark val="none"/>
+        <c:tickLblPos val="nextTo"/>
+        <c:spPr>
+          <a:noFill/>
+          <a:ln w="9525" cap="flat" cmpd="sng" algn="ctr">
+            <a:solidFill>
+              <a:schemeClr val="tx1">
+                <a:lumMod val="15000"/>
+                <a:lumOff val="85000"/>
+              </a:schemeClr>
+            </a:solidFill>
+            <a:round/>
+          </a:ln>
+          <a:effectLst/>
+        </c:spPr>
+        <c:txPr>
+          <a:bodyPr rot="-60000000" spcFirstLastPara="1" vertOverflow="ellipsis" vert="horz" wrap="square" anchor="ctr" anchorCtr="1"/>
+          <a:lstStyle/>
+          <a:p>
+            <a:pPr>
+              <a:defRPr sz="900" b="0" i="0" u="none" strike="noStrike" kern="1200" baseline="0">
+                <a:solidFill>
+                  <a:schemeClr val="tx1">
+                    <a:lumMod val="65000"/>
+                    <a:lumOff val="35000"/>
+                  </a:schemeClr>
+                </a:solidFill>
+                <a:latin typeface="+mn-lt"/>
+                <a:ea typeface="+mn-ea"/>
+                <a:cs typeface="+mn-cs"/>
+              </a:defRPr>
+            </a:pPr>
+            <a:endParaRPr lang="da-DK"/>
+          </a:p>
+        </c:txPr>
+        <c:crossAx val="848036016"/>
+        <c:crosses val="autoZero"/>
+        <c:auto val="1"/>
+        <c:lblAlgn val="ctr"/>
+        <c:lblOffset val="100"/>
+        <c:noMultiLvlLbl val="0"/>
+      </c:catAx>
+      <c:valAx>
+        <c:axId val="848036016"/>
+        <c:scaling>
+          <c:orientation val="minMax"/>
+        </c:scaling>
+        <c:delete val="0"/>
+        <c:axPos val="l"/>
+        <c:majorGridlines>
+          <c:spPr>
+            <a:ln w="9525" cap="flat" cmpd="sng" algn="ctr">
+              <a:solidFill>
+                <a:schemeClr val="tx1">
+                  <a:lumMod val="15000"/>
+                  <a:lumOff val="85000"/>
+                </a:schemeClr>
+              </a:solidFill>
+              <a:round/>
+            </a:ln>
+            <a:effectLst/>
+          </c:spPr>
+        </c:majorGridlines>
+        <c:title>
+          <c:tx>
+            <c:rich>
+              <a:bodyPr rot="-5400000" spcFirstLastPara="1" vertOverflow="ellipsis" vert="horz" wrap="square" anchor="ctr" anchorCtr="1"/>
+              <a:lstStyle/>
+              <a:p>
+                <a:pPr>
+                  <a:defRPr sz="1000" b="0" i="0" u="none" strike="noStrike" kern="1200" baseline="0">
+                    <a:solidFill>
+                      <a:schemeClr val="tx1">
+                        <a:lumMod val="65000"/>
+                        <a:lumOff val="35000"/>
+                      </a:schemeClr>
+                    </a:solidFill>
+                    <a:latin typeface="+mn-lt"/>
+                    <a:ea typeface="+mn-ea"/>
+                    <a:cs typeface="+mn-cs"/>
+                  </a:defRPr>
+                </a:pPr>
+                <a:r>
+                  <a:rPr lang="da-DK"/>
+                  <a:t>Timer</a:t>
+                </a:r>
+              </a:p>
+            </c:rich>
+          </c:tx>
+          <c:overlay val="0"/>
+          <c:spPr>
+            <a:noFill/>
+            <a:ln>
+              <a:noFill/>
+            </a:ln>
+            <a:effectLst/>
+          </c:spPr>
+          <c:txPr>
+            <a:bodyPr rot="-5400000" spcFirstLastPara="1" vertOverflow="ellipsis" vert="horz" wrap="square" anchor="ctr" anchorCtr="1"/>
+            <a:lstStyle/>
+            <a:p>
+              <a:pPr>
+                <a:defRPr sz="1000" b="0" i="0" u="none" strike="noStrike" kern="1200" baseline="0">
+                  <a:solidFill>
+                    <a:schemeClr val="tx1">
+                      <a:lumMod val="65000"/>
+                      <a:lumOff val="35000"/>
+                    </a:schemeClr>
+                  </a:solidFill>
+                  <a:latin typeface="+mn-lt"/>
+                  <a:ea typeface="+mn-ea"/>
+                  <a:cs typeface="+mn-cs"/>
+                </a:defRPr>
+              </a:pPr>
+              <a:endParaRPr lang="da-DK"/>
+            </a:p>
+          </c:txPr>
+        </c:title>
+        <c:numFmt formatCode="General" sourceLinked="1"/>
+        <c:majorTickMark val="none"/>
+        <c:minorTickMark val="none"/>
+        <c:tickLblPos val="nextTo"/>
+        <c:spPr>
+          <a:noFill/>
+          <a:ln>
+            <a:noFill/>
+          </a:ln>
+          <a:effectLst/>
+        </c:spPr>
+        <c:txPr>
+          <a:bodyPr rot="-60000000" spcFirstLastPara="1" vertOverflow="ellipsis" vert="horz" wrap="square" anchor="ctr" anchorCtr="1"/>
+          <a:lstStyle/>
+          <a:p>
+            <a:pPr>
+              <a:defRPr sz="900" b="0" i="0" u="none" strike="noStrike" kern="1200" baseline="0">
+                <a:solidFill>
+                  <a:schemeClr val="tx1">
+                    <a:lumMod val="65000"/>
+                    <a:lumOff val="35000"/>
+                  </a:schemeClr>
+                </a:solidFill>
+                <a:latin typeface="+mn-lt"/>
+                <a:ea typeface="+mn-ea"/>
+                <a:cs typeface="+mn-cs"/>
+              </a:defRPr>
+            </a:pPr>
+            <a:endParaRPr lang="da-DK"/>
+          </a:p>
+        </c:txPr>
+        <c:crossAx val="929048688"/>
+        <c:crosses val="autoZero"/>
+        <c:crossBetween val="between"/>
+      </c:valAx>
+      <c:spPr>
+        <a:noFill/>
+        <a:ln>
+          <a:noFill/>
+        </a:ln>
+        <a:effectLst/>
+      </c:spPr>
+    </c:plotArea>
+    <c:legend>
+      <c:legendPos val="b"/>
+      <c:overlay val="0"/>
+      <c:spPr>
+        <a:noFill/>
+        <a:ln>
+          <a:noFill/>
+        </a:ln>
+        <a:effectLst/>
+      </c:spPr>
+      <c:txPr>
+        <a:bodyPr rot="0" spcFirstLastPara="1" vertOverflow="ellipsis" vert="horz" wrap="square" anchor="ctr" anchorCtr="1"/>
+        <a:lstStyle/>
+        <a:p>
+          <a:pPr>
+            <a:defRPr sz="900" b="0" i="0" u="none" strike="noStrike" kern="1200" baseline="0">
+              <a:solidFill>
+                <a:schemeClr val="tx1">
+                  <a:lumMod val="65000"/>
+                  <a:lumOff val="35000"/>
+                </a:schemeClr>
+              </a:solidFill>
+              <a:latin typeface="+mn-lt"/>
+              <a:ea typeface="+mn-ea"/>
+              <a:cs typeface="+mn-cs"/>
+            </a:defRPr>
+          </a:pPr>
+          <a:endParaRPr lang="da-DK"/>
+        </a:p>
+      </c:txPr>
+    </c:legend>
+    <c:plotVisOnly val="1"/>
+    <c:dispBlanksAs val="gap"/>
+    <c:extLst>
+      <c:ext xmlns:c16r3="http://schemas.microsoft.com/office/drawing/2017/03/chart" uri="{56B9EC1D-385E-4148-901F-78D8002777C0}">
+        <c16r3:dataDisplayOptions16>
+          <c16r3:dispNaAsBlank val="1"/>
+        </c16r3:dataDisplayOptions16>
+      </c:ext>
+    </c:extLst>
+    <c:showDLblsOverMax val="0"/>
+  </c:chart>
+  <c:spPr>
+    <a:noFill/>
+    <a:ln>
+      <a:noFill/>
+    </a:ln>
+    <a:effectLst/>
+  </c:spPr>
+  <c:txPr>
+    <a:bodyPr/>
+    <a:lstStyle/>
+    <a:p>
+      <a:pPr>
+        <a:defRPr/>
+      </a:pPr>
+      <a:endParaRPr lang="da-DK"/>
+    </a:p>
+  </c:txPr>
+  <c:externalData r:id="rId3">
+    <c:autoUpdate val="0"/>
+  </c:externalData>
+</c:chartSpace>
+</file>
+
+<file path=ppt/charts/colors1.xml><?xml version="1.0" encoding="utf-8"?>
+<cs:colorStyle xmlns:cs="http://schemas.microsoft.com/office/drawing/2012/chartStyle" xmlns:a="http://schemas.openxmlformats.org/drawingml/2006/main" meth="cycle" id="10">
+  <a:schemeClr val="accent1"/>
+  <a:schemeClr val="accent2"/>
+  <a:schemeClr val="accent3"/>
+  <a:schemeClr val="accent4"/>
+  <a:schemeClr val="accent5"/>
+  <a:schemeClr val="accent6"/>
+  <cs:variation/>
+  <cs:variation>
+    <a:lumMod val="60000"/>
+  </cs:variation>
+  <cs:variation>
+    <a:lumMod val="80000"/>
+    <a:lumOff val="20000"/>
+  </cs:variation>
+  <cs:variation>
+    <a:lumMod val="80000"/>
+  </cs:variation>
+  <cs:variation>
+    <a:lumMod val="60000"/>
+    <a:lumOff val="40000"/>
+  </cs:variation>
+  <cs:variation>
+    <a:lumMod val="50000"/>
+  </cs:variation>
+  <cs:variation>
+    <a:lumMod val="70000"/>
+    <a:lumOff val="30000"/>
+  </cs:variation>
+  <cs:variation>
+    <a:lumMod val="70000"/>
+  </cs:variation>
+  <cs:variation>
+    <a:lumMod val="50000"/>
+    <a:lumOff val="50000"/>
+  </cs:variation>
+</cs:colorStyle>
+</file>
+
+<file path=ppt/charts/style1.xml><?xml version="1.0" encoding="utf-8"?>
+<cs:chartStyle xmlns:cs="http://schemas.microsoft.com/office/drawing/2012/chartStyle" xmlns:a="http://schemas.openxmlformats.org/drawingml/2006/main" id="201">
+  <cs:axisTitle>
+    <cs:lnRef idx="0"/>
+    <cs:fillRef idx="0"/>
+    <cs:effectRef idx="0"/>
+    <cs:fontRef idx="minor">
+      <a:schemeClr val="tx1">
+        <a:lumMod val="65000"/>
+        <a:lumOff val="35000"/>
+      </a:schemeClr>
+    </cs:fontRef>
+    <cs:defRPr sz="1000" kern="1200"/>
+  </cs:axisTitle>
+  <cs:categoryAxis>
+    <cs:lnRef idx="0"/>
+    <cs:fillRef idx="0"/>
+    <cs:effectRef idx="0"/>
+    <cs:fontRef idx="minor">
+      <a:schemeClr val="tx1">
+        <a:lumMod val="65000"/>
+        <a:lumOff val="35000"/>
+      </a:schemeClr>
+    </cs:fontRef>
+    <cs:spPr>
+      <a:ln w="9525" cap="flat" cmpd="sng" algn="ctr">
+        <a:solidFill>
+          <a:schemeClr val="tx1">
+            <a:lumMod val="15000"/>
+            <a:lumOff val="85000"/>
+          </a:schemeClr>
+        </a:solidFill>
+        <a:round/>
+      </a:ln>
+    </cs:spPr>
+    <cs:defRPr sz="900" kern="1200"/>
+  </cs:categoryAxis>
+  <cs:chartArea mods="allowNoFillOverride allowNoLineOverride">
+    <cs:lnRef idx="0"/>
+    <cs:fillRef idx="0"/>
+    <cs:effectRef idx="0"/>
+    <cs:fontRef idx="minor">
+      <a:schemeClr val="tx1"/>
+    </cs:fontRef>
+    <cs:spPr>
+      <a:solidFill>
+        <a:schemeClr val="bg1"/>
+      </a:solidFill>
+      <a:ln w="9525" cap="flat" cmpd="sng" algn="ctr">
+        <a:solidFill>
+          <a:schemeClr val="tx1">
+            <a:lumMod val="15000"/>
+            <a:lumOff val="85000"/>
+          </a:schemeClr>
+        </a:solidFill>
+        <a:round/>
+      </a:ln>
+    </cs:spPr>
+    <cs:defRPr sz="1000" kern="1200"/>
+  </cs:chartArea>
+  <cs:dataLabel>
+    <cs:lnRef idx="0"/>
+    <cs:fillRef idx="0"/>
+    <cs:effectRef idx="0"/>
+    <cs:fontRef idx="minor">
+      <a:schemeClr val="tx1">
+        <a:lumMod val="75000"/>
+        <a:lumOff val="25000"/>
+      </a:schemeClr>
+    </cs:fontRef>
+    <cs:defRPr sz="900" kern="1200"/>
+  </cs:dataLabel>
+  <cs:dataLabelCallout>
+    <cs:lnRef idx="0"/>
+    <cs:fillRef idx="0"/>
+    <cs:effectRef idx="0"/>
+    <cs:fontRef idx="minor">
+      <a:schemeClr val="dk1">
+        <a:lumMod val="65000"/>
+        <a:lumOff val="35000"/>
+      </a:schemeClr>
+    </cs:fontRef>
+    <cs:spPr>
+      <a:solidFill>
+        <a:schemeClr val="lt1"/>
+      </a:solidFill>
+      <a:ln>
+        <a:solidFill>
+          <a:schemeClr val="dk1">
+            <a:lumMod val="25000"/>
+            <a:lumOff val="75000"/>
+          </a:schemeClr>
+        </a:solidFill>
+      </a:ln>
+    </cs:spPr>
+    <cs:defRPr sz="900" kern="1200"/>
+    <cs:bodyPr rot="0" spcFirstLastPara="1" vertOverflow="clip" horzOverflow="clip" vert="horz" wrap="square" lIns="36576" tIns="18288" rIns="36576" bIns="18288" anchor="ctr" anchorCtr="1">
+      <a:spAutoFit/>
+    </cs:bodyPr>
+  </cs:dataLabelCallout>
+  <cs:dataPoint>
+    <cs:lnRef idx="0"/>
+    <cs:fillRef idx="1">
+      <cs:styleClr val="auto"/>
+    </cs:fillRef>
+    <cs:effectRef idx="0"/>
+    <cs:fontRef idx="minor">
+      <a:schemeClr val="tx1"/>
+    </cs:fontRef>
+  </cs:dataPoint>
+  <cs:dataPoint3D>
+    <cs:lnRef idx="0"/>
+    <cs:fillRef idx="1">
+      <cs:styleClr val="auto"/>
+    </cs:fillRef>
+    <cs:effectRef idx="0"/>
+    <cs:fontRef idx="minor">
+      <a:schemeClr val="tx1"/>
+    </cs:fontRef>
+  </cs:dataPoint3D>
+  <cs:dataPointLine>
+    <cs:lnRef idx="0">
+      <cs:styleClr val="auto"/>
+    </cs:lnRef>
+    <cs:fillRef idx="1"/>
+    <cs:effectRef idx="0"/>
+    <cs:fontRef idx="minor">
+      <a:schemeClr val="tx1"/>
+    </cs:fontRef>
+    <cs:spPr>
+      <a:ln w="28575" cap="rnd">
+        <a:solidFill>
+          <a:schemeClr val="phClr"/>
+        </a:solidFill>
+        <a:round/>
+      </a:ln>
+    </cs:spPr>
+  </cs:dataPointLine>
+  <cs:dataPointMarker>
+    <cs:lnRef idx="0">
+      <cs:styleClr val="auto"/>
+    </cs:lnRef>
+    <cs:fillRef idx="1">
+      <cs:styleClr val="auto"/>
+    </cs:fillRef>
+    <cs:effectRef idx="0"/>
+    <cs:fontRef idx="minor">
+      <a:schemeClr val="tx1"/>
+    </cs:fontRef>
+    <cs:spPr>
+      <a:ln w="9525">
+        <a:solidFill>
+          <a:schemeClr val="phClr"/>
+        </a:solidFill>
+      </a:ln>
+    </cs:spPr>
+  </cs:dataPointMarker>
+  <cs:dataPointMarkerLayout symbol="circle" size="5"/>
+  <cs:dataPointWireframe>
+    <cs:lnRef idx="0">
+      <cs:styleClr val="auto"/>
+    </cs:lnRef>
+    <cs:fillRef idx="1"/>
+    <cs:effectRef idx="0"/>
+    <cs:fontRef idx="minor">
+      <a:schemeClr val="tx1"/>
+    </cs:fontRef>
+    <cs:spPr>
+      <a:ln w="9525" cap="rnd">
+        <a:solidFill>
+          <a:schemeClr val="phClr"/>
+        </a:solidFill>
+        <a:round/>
+      </a:ln>
+    </cs:spPr>
+  </cs:dataPointWireframe>
+  <cs:dataTable>
+    <cs:lnRef idx="0"/>
+    <cs:fillRef idx="0"/>
+    <cs:effectRef idx="0"/>
+    <cs:fontRef idx="minor">
+      <a:schemeClr val="tx1">
+        <a:lumMod val="65000"/>
+        <a:lumOff val="35000"/>
+      </a:schemeClr>
+    </cs:fontRef>
+    <cs:spPr>
+      <a:noFill/>
+      <a:ln w="9525" cap="flat" cmpd="sng" algn="ctr">
+        <a:solidFill>
+          <a:schemeClr val="tx1">
+            <a:lumMod val="15000"/>
+            <a:lumOff val="85000"/>
+          </a:schemeClr>
+        </a:solidFill>
+        <a:round/>
+      </a:ln>
+    </cs:spPr>
+    <cs:defRPr sz="900" kern="1200"/>
+  </cs:dataTable>
+  <cs:downBar>
+    <cs:lnRef idx="0"/>
+    <cs:fillRef idx="0"/>
+    <cs:effectRef idx="0"/>
+    <cs:fontRef idx="minor">
+      <a:schemeClr val="dk1"/>
+    </cs:fontRef>
+    <cs:spPr>
+      <a:solidFill>
+        <a:schemeClr val="dk1">
+          <a:lumMod val="65000"/>
+          <a:lumOff val="35000"/>
+        </a:schemeClr>
+      </a:solidFill>
+      <a:ln w="9525">
+        <a:solidFill>
+          <a:schemeClr val="tx1">
+            <a:lumMod val="65000"/>
+            <a:lumOff val="35000"/>
+          </a:schemeClr>
+        </a:solidFill>
+      </a:ln>
+    </cs:spPr>
+  </cs:downBar>
+  <cs:dropLine>
+    <cs:lnRef idx="0"/>
+    <cs:fillRef idx="0"/>
+    <cs:effectRef idx="0"/>
+    <cs:fontRef idx="minor">
+      <a:schemeClr val="tx1"/>
+    </cs:fontRef>
+    <cs:spPr>
+      <a:ln w="9525" cap="flat" cmpd="sng" algn="ctr">
+        <a:solidFill>
+          <a:schemeClr val="tx1">
+            <a:lumMod val="35000"/>
+            <a:lumOff val="65000"/>
+          </a:schemeClr>
+        </a:solidFill>
+        <a:round/>
+      </a:ln>
+    </cs:spPr>
+  </cs:dropLine>
+  <cs:errorBar>
+    <cs:lnRef idx="0"/>
+    <cs:fillRef idx="0"/>
+    <cs:effectRef idx="0"/>
+    <cs:fontRef idx="minor">
+      <a:schemeClr val="tx1"/>
+    </cs:fontRef>
+    <cs:spPr>
+      <a:ln w="9525" cap="flat" cmpd="sng" algn="ctr">
+        <a:solidFill>
+          <a:schemeClr val="tx1">
+            <a:lumMod val="65000"/>
+            <a:lumOff val="35000"/>
+          </a:schemeClr>
+        </a:solidFill>
+        <a:round/>
+      </a:ln>
+    </cs:spPr>
+  </cs:errorBar>
+  <cs:floor>
+    <cs:lnRef idx="0"/>
+    <cs:fillRef idx="0"/>
+    <cs:effectRef idx="0"/>
+    <cs:fontRef idx="minor">
+      <a:schemeClr val="tx1"/>
+    </cs:fontRef>
+    <cs:spPr>
+      <a:noFill/>
+      <a:ln>
+        <a:noFill/>
+      </a:ln>
+    </cs:spPr>
+  </cs:floor>
+  <cs:gridlineMajor>
+    <cs:lnRef idx="0"/>
+    <cs:fillRef idx="0"/>
+    <cs:effectRef idx="0"/>
+    <cs:fontRef idx="minor">
+      <a:schemeClr val="tx1"/>
+    </cs:fontRef>
+    <cs:spPr>
+      <a:ln w="9525" cap="flat" cmpd="sng" algn="ctr">
+        <a:solidFill>
+          <a:schemeClr val="tx1">
+            <a:lumMod val="15000"/>
+            <a:lumOff val="85000"/>
+          </a:schemeClr>
+        </a:solidFill>
+        <a:round/>
+      </a:ln>
+    </cs:spPr>
+  </cs:gridlineMajor>
+  <cs:gridlineMinor>
+    <cs:lnRef idx="0"/>
+    <cs:fillRef idx="0"/>
+    <cs:effectRef idx="0"/>
+    <cs:fontRef idx="minor">
+      <a:schemeClr val="tx1"/>
+    </cs:fontRef>
+    <cs:spPr>
+      <a:ln w="9525" cap="flat" cmpd="sng" algn="ctr">
+        <a:solidFill>
+          <a:schemeClr val="tx1">
+            <a:lumMod val="5000"/>
+            <a:lumOff val="95000"/>
+          </a:schemeClr>
+        </a:solidFill>
+        <a:round/>
+      </a:ln>
+    </cs:spPr>
+  </cs:gridlineMinor>
+  <cs:hiLoLine>
+    <cs:lnRef idx="0"/>
+    <cs:fillRef idx="0"/>
+    <cs:effectRef idx="0"/>
+    <cs:fontRef idx="minor">
+      <a:schemeClr val="tx1"/>
+    </cs:fontRef>
+    <cs:spPr>
+      <a:ln w="9525" cap="flat" cmpd="sng" algn="ctr">
+        <a:solidFill>
+          <a:schemeClr val="tx1">
+            <a:lumMod val="75000"/>
+            <a:lumOff val="25000"/>
+          </a:schemeClr>
+        </a:solidFill>
+        <a:round/>
+      </a:ln>
+    </cs:spPr>
+  </cs:hiLoLine>
+  <cs:leaderLine>
+    <cs:lnRef idx="0"/>
+    <cs:fillRef idx="0"/>
+    <cs:effectRef idx="0"/>
+    <cs:fontRef idx="minor">
+      <a:schemeClr val="tx1"/>
+    </cs:fontRef>
+    <cs:spPr>
+      <a:ln w="9525" cap="flat" cmpd="sng" algn="ctr">
+        <a:solidFill>
+          <a:schemeClr val="tx1">
+            <a:lumMod val="35000"/>
+            <a:lumOff val="65000"/>
+          </a:schemeClr>
+        </a:solidFill>
+        <a:round/>
+      </a:ln>
+    </cs:spPr>
+  </cs:leaderLine>
+  <cs:legend>
+    <cs:lnRef idx="0"/>
+    <cs:fillRef idx="0"/>
+    <cs:effectRef idx="0"/>
+    <cs:fontRef idx="minor">
+      <a:schemeClr val="tx1">
+        <a:lumMod val="65000"/>
+        <a:lumOff val="35000"/>
+      </a:schemeClr>
+    </cs:fontRef>
+    <cs:defRPr sz="900" kern="1200"/>
+  </cs:legend>
+  <cs:plotArea mods="allowNoFillOverride allowNoLineOverride">
+    <cs:lnRef idx="0"/>
+    <cs:fillRef idx="0"/>
+    <cs:effectRef idx="0"/>
+    <cs:fontRef idx="minor">
+      <a:schemeClr val="tx1"/>
+    </cs:fontRef>
+  </cs:plotArea>
+  <cs:plotArea3D mods="allowNoFillOverride allowNoLineOverride">
+    <cs:lnRef idx="0"/>
+    <cs:fillRef idx="0"/>
+    <cs:effectRef idx="0"/>
+    <cs:fontRef idx="minor">
+      <a:schemeClr val="tx1"/>
+    </cs:fontRef>
+  </cs:plotArea3D>
+  <cs:seriesAxis>
+    <cs:lnRef idx="0"/>
+    <cs:fillRef idx="0"/>
+    <cs:effectRef idx="0"/>
+    <cs:fontRef idx="minor">
+      <a:schemeClr val="tx1">
+        <a:lumMod val="65000"/>
+        <a:lumOff val="35000"/>
+      </a:schemeClr>
+    </cs:fontRef>
+    <cs:defRPr sz="900" kern="1200"/>
+  </cs:seriesAxis>
+  <cs:seriesLine>
+    <cs:lnRef idx="0"/>
+    <cs:fillRef idx="0"/>
+    <cs:effectRef idx="0"/>
+    <cs:fontRef idx="minor">
+      <a:schemeClr val="tx1"/>
+    </cs:fontRef>
+    <cs:spPr>
+      <a:ln w="9525" cap="flat" cmpd="sng" algn="ctr">
+        <a:solidFill>
+          <a:schemeClr val="tx1">
+            <a:lumMod val="35000"/>
+            <a:lumOff val="65000"/>
+          </a:schemeClr>
+        </a:solidFill>
+        <a:round/>
+      </a:ln>
+    </cs:spPr>
+  </cs:seriesLine>
+  <cs:title>
+    <cs:lnRef idx="0"/>
+    <cs:fillRef idx="0"/>
+    <cs:effectRef idx="0"/>
+    <cs:fontRef idx="minor">
+      <a:schemeClr val="tx1">
+        <a:lumMod val="65000"/>
+        <a:lumOff val="35000"/>
+      </a:schemeClr>
+    </cs:fontRef>
+    <cs:defRPr sz="1400" b="0" kern="1200" spc="0" baseline="0"/>
+  </cs:title>
+  <cs:trendline>
+    <cs:lnRef idx="0">
+      <cs:styleClr val="auto"/>
+    </cs:lnRef>
+    <cs:fillRef idx="0"/>
+    <cs:effectRef idx="0"/>
+    <cs:fontRef idx="minor">
+      <a:schemeClr val="tx1"/>
+    </cs:fontRef>
+    <cs:spPr>
+      <a:ln w="19050" cap="rnd">
+        <a:solidFill>
+          <a:schemeClr val="phClr"/>
+        </a:solidFill>
+        <a:prstDash val="sysDot"/>
+      </a:ln>
+    </cs:spPr>
+  </cs:trendline>
+  <cs:trendlineLabel>
+    <cs:lnRef idx="0"/>
+    <cs:fillRef idx="0"/>
+    <cs:effectRef idx="0"/>
+    <cs:fontRef idx="minor">
+      <a:schemeClr val="tx1">
+        <a:lumMod val="65000"/>
+        <a:lumOff val="35000"/>
+      </a:schemeClr>
+    </cs:fontRef>
+    <cs:defRPr sz="900" kern="1200"/>
+  </cs:trendlineLabel>
+  <cs:upBar>
+    <cs:lnRef idx="0"/>
+    <cs:fillRef idx="0"/>
+    <cs:effectRef idx="0"/>
+    <cs:fontRef idx="minor">
+      <a:schemeClr val="dk1"/>
+    </cs:fontRef>
+    <cs:spPr>
+      <a:solidFill>
+        <a:schemeClr val="lt1"/>
+      </a:solidFill>
+      <a:ln w="9525">
+        <a:solidFill>
+          <a:schemeClr val="tx1">
+            <a:lumMod val="15000"/>
+            <a:lumOff val="85000"/>
+          </a:schemeClr>
+        </a:solidFill>
+      </a:ln>
+    </cs:spPr>
+  </cs:upBar>
+  <cs:valueAxis>
+    <cs:lnRef idx="0"/>
+    <cs:fillRef idx="0"/>
+    <cs:effectRef idx="0"/>
+    <cs:fontRef idx="minor">
+      <a:schemeClr val="tx1">
+        <a:lumMod val="65000"/>
+        <a:lumOff val="35000"/>
+      </a:schemeClr>
+    </cs:fontRef>
+    <cs:defRPr sz="900" kern="1200"/>
+  </cs:valueAxis>
+  <cs:wall>
+    <cs:lnRef idx="0"/>
+    <cs:fillRef idx="0"/>
+    <cs:effectRef idx="0"/>
+    <cs:fontRef idx="minor">
+      <a:schemeClr val="tx1"/>
+    </cs:fontRef>
+    <cs:spPr>
+      <a:noFill/>
+      <a:ln>
+        <a:noFill/>
+      </a:ln>
+    </cs:spPr>
+  </cs:wall>
+</cs:chartStyle>
 </file>
 
 <file path=ppt/slideLayouts/slideLayout1.xml><?xml version="1.0" encoding="utf-8"?>
@@ -4458,6 +5616,94 @@
 </p:sld>
 </file>
 
+<file path=ppt/slides/slide5.xml><?xml version="1.0" encoding="utf-8"?>
+<p:sld xmlns:a="http://schemas.openxmlformats.org/drawingml/2006/main" xmlns:r="http://schemas.openxmlformats.org/officeDocument/2006/relationships" xmlns:p="http://schemas.openxmlformats.org/presentationml/2006/main">
+  <p:cSld>
+    <p:spTree>
+      <p:nvGrpSpPr>
+        <p:cNvPr id="1" name=""/>
+        <p:cNvGrpSpPr/>
+        <p:nvPr/>
+      </p:nvGrpSpPr>
+      <p:grpSpPr>
+        <a:xfrm>
+          <a:off x="0" y="0"/>
+          <a:ext cx="0" cy="0"/>
+          <a:chOff x="0" y="0"/>
+          <a:chExt cx="0" cy="0"/>
+        </a:xfrm>
+      </p:grpSpPr>
+      <p:sp>
+        <p:nvSpPr>
+          <p:cNvPr id="2" name="Titel 1">
+            <a:extLst>
+              <a:ext uri="{FF2B5EF4-FFF2-40B4-BE49-F238E27FC236}">
+                <a16:creationId xmlns:a16="http://schemas.microsoft.com/office/drawing/2014/main" id="{15A0A27D-E073-48C7-9113-FB555433560F}"/>
+              </a:ext>
+            </a:extLst>
+          </p:cNvPr>
+          <p:cNvSpPr>
+            <a:spLocks noGrp="1"/>
+          </p:cNvSpPr>
+          <p:nvPr>
+            <p:ph type="title"/>
+          </p:nvPr>
+        </p:nvSpPr>
+        <p:spPr/>
+        <p:txBody>
+          <a:bodyPr/>
+          <a:lstStyle/>
+          <a:p>
+            <a:r>
+              <a:rPr lang="da-DK" dirty="0" err="1"/>
+              <a:t>Burndown</a:t>
+            </a:r>
+            <a:r>
+              <a:rPr lang="da-DK" dirty="0"/>
+              <a:t> Chart</a:t>
+            </a:r>
+          </a:p>
+        </p:txBody>
+      </p:sp>
+      <p:graphicFrame>
+        <p:nvGraphicFramePr>
+          <p:cNvPr id="4" name="Pladsholder til indhold 5">
+            <a:extLst>
+              <a:ext uri="{FF2B5EF4-FFF2-40B4-BE49-F238E27FC236}">
+                <a16:creationId xmlns:a16="http://schemas.microsoft.com/office/drawing/2014/main" id="{1AEEF914-2320-47AA-A84A-BA8934E1A209}"/>
+              </a:ext>
+            </a:extLst>
+          </p:cNvPr>
+          <p:cNvGraphicFramePr>
+            <a:graphicFrameLocks noGrp="1"/>
+          </p:cNvGraphicFramePr>
+          <p:nvPr>
+            <p:ph idx="1"/>
+          </p:nvPr>
+        </p:nvGraphicFramePr>
+        <p:xfrm>
+          <a:off x="1069975" y="2120900"/>
+          <a:ext cx="10058400" cy="4051300"/>
+        </p:xfrm>
+        <a:graphic>
+          <a:graphicData uri="http://schemas.openxmlformats.org/drawingml/2006/chart">
+            <c:chart xmlns:c="http://schemas.openxmlformats.org/drawingml/2006/chart" xmlns:r="http://schemas.openxmlformats.org/officeDocument/2006/relationships" r:id="rId2"/>
+          </a:graphicData>
+        </a:graphic>
+      </p:graphicFrame>
+    </p:spTree>
+    <p:extLst>
+      <p:ext uri="{BB962C8B-B14F-4D97-AF65-F5344CB8AC3E}">
+        <p14:creationId xmlns:p14="http://schemas.microsoft.com/office/powerpoint/2010/main" val="1829011469"/>
+      </p:ext>
+    </p:extLst>
+  </p:cSld>
+  <p:clrMapOvr>
+    <a:masterClrMapping/>
+  </p:clrMapOvr>
+</p:sld>
+</file>
+
 <file path=ppt/theme/theme1.xml><?xml version="1.0" encoding="utf-8"?>
 <a:theme xmlns:a="http://schemas.openxmlformats.org/drawingml/2006/main" name="Trætype">
   <a:themeElements>

--- a/SCRUM-præsentation.pptx
+++ b/SCRUM-præsentation.pptx
@@ -6,10 +6,14 @@
   </p:sldMasterIdLst>
   <p:sldIdLst>
     <p:sldId id="256" r:id="rId2"/>
-    <p:sldId id="258" r:id="rId3"/>
-    <p:sldId id="259" r:id="rId4"/>
+    <p:sldId id="259" r:id="rId3"/>
+    <p:sldId id="258" r:id="rId4"/>
     <p:sldId id="257" r:id="rId5"/>
-    <p:sldId id="260" r:id="rId6"/>
+    <p:sldId id="261" r:id="rId6"/>
+    <p:sldId id="264" r:id="rId7"/>
+    <p:sldId id="262" r:id="rId8"/>
+    <p:sldId id="260" r:id="rId9"/>
+    <p:sldId id="263" r:id="rId10"/>
   </p:sldIdLst>
   <p:sldSz cx="12192000" cy="6858000"/>
   <p:notesSz cx="6858000" cy="9144000"/>
@@ -5206,7 +5210,15 @@
           <a:p>
             <a:r>
               <a:rPr lang="da-DK" dirty="0"/>
-              <a:t>SCRUM </a:t>
+              <a:t>SCRUM for </a:t>
+            </a:r>
+            <a:r>
+              <a:rPr lang="da-DK" dirty="0" err="1"/>
+              <a:t>dummies</a:t>
+            </a:r>
+            <a:r>
+              <a:rPr lang="da-DK" dirty="0"/>
+              <a:t> </a:t>
             </a:r>
           </a:p>
         </p:txBody>
@@ -5271,7 +5283,7 @@
           <p:cNvPr id="2" name="Titel 1">
             <a:extLst>
               <a:ext uri="{FF2B5EF4-FFF2-40B4-BE49-F238E27FC236}">
-                <a16:creationId xmlns:a16="http://schemas.microsoft.com/office/drawing/2014/main" id="{527B4E9E-5D42-4AB4-A861-53CBBF5754AC}"/>
+                <a16:creationId xmlns:a16="http://schemas.microsoft.com/office/drawing/2014/main" id="{645AC5A1-8D6D-4EF8-8B72-F3794FD42898}"/>
               </a:ext>
             </a:extLst>
           </p:cNvPr>
@@ -5287,9 +5299,10 @@
           <a:bodyPr/>
           <a:lstStyle/>
           <a:p>
+            <a:pPr algn="ctr"/>
             <a:r>
               <a:rPr lang="da-DK" dirty="0"/>
-              <a:t>Hvad er SCRUM?</a:t>
+              <a:t>Det agile manifest</a:t>
             </a:r>
           </a:p>
         </p:txBody>
@@ -5299,7 +5312,7 @@
           <p:cNvPr id="3" name="Pladsholder til indhold 2">
             <a:extLst>
               <a:ext uri="{FF2B5EF4-FFF2-40B4-BE49-F238E27FC236}">
-                <a16:creationId xmlns:a16="http://schemas.microsoft.com/office/drawing/2014/main" id="{2B4EB9CB-D46A-4FFE-8D5B-75EDDFFB8FBE}"/>
+                <a16:creationId xmlns:a16="http://schemas.microsoft.com/office/drawing/2014/main" id="{53E31EF0-F966-443C-8A14-3213E521B6DA}"/>
               </a:ext>
             </a:extLst>
           </p:cNvPr>
@@ -5315,31 +5328,51 @@
           <a:bodyPr/>
           <a:lstStyle/>
           <a:p>
+            <a:pPr algn="ctr" fontAlgn="ctr"/>
+            <a:r>
+              <a:rPr lang="da-DK" b="1" dirty="0"/>
+              <a:t>Individer og samarbejde </a:t>
+            </a:r>
             <a:r>
               <a:rPr lang="da-DK" dirty="0"/>
-              <a:t>Agil udviklingsmodel</a:t>
-            </a:r>
-          </a:p>
-          <a:p>
+              <a:t>frem for processer og værktøjer</a:t>
+            </a:r>
+          </a:p>
+          <a:p>
+            <a:pPr algn="ctr" fontAlgn="ctr"/>
+            <a:r>
+              <a:rPr lang="da-DK" b="1" dirty="0"/>
+              <a:t>Velfungerende software </a:t>
+            </a:r>
             <a:r>
               <a:rPr lang="da-DK" dirty="0"/>
-              <a:t>Selv organiserende team</a:t>
-            </a:r>
-          </a:p>
-          <a:p>
-            <a:pPr lvl="1"/>
+              <a:t>frem for omfattende dokumentation</a:t>
+            </a:r>
+          </a:p>
+          <a:p>
+            <a:pPr algn="ctr" fontAlgn="ctr"/>
+            <a:r>
+              <a:rPr lang="da-DK" b="1" dirty="0"/>
+              <a:t>Samarbejde med kunden </a:t>
+            </a:r>
             <a:r>
               <a:rPr lang="da-DK" dirty="0"/>
-              <a:t>Roller</a:t>
-            </a:r>
-          </a:p>
-          <a:p>
+              <a:t>frem for kontraktforhandling</a:t>
+            </a:r>
+          </a:p>
+          <a:p>
+            <a:pPr algn="ctr" fontAlgn="ctr"/>
+            <a:r>
+              <a:rPr lang="da-DK" b="1" dirty="0"/>
+              <a:t>Håndtering af forandringer </a:t>
+            </a:r>
             <a:r>
               <a:rPr lang="da-DK" dirty="0"/>
-              <a:t>Sprints</a:t>
-            </a:r>
-          </a:p>
-          <a:p>
+              <a:t>frem for fastholdelse af en plan</a:t>
+            </a:r>
+          </a:p>
+          <a:p>
+            <a:pPr algn="ctr"/>
             <a:endParaRPr lang="da-DK" dirty="0"/>
           </a:p>
         </p:txBody>
@@ -5347,7 +5380,7 @@
     </p:spTree>
     <p:extLst>
       <p:ext uri="{BB962C8B-B14F-4D97-AF65-F5344CB8AC3E}">
-        <p14:creationId xmlns:p14="http://schemas.microsoft.com/office/powerpoint/2010/main" val="2841465188"/>
+        <p14:creationId xmlns:p14="http://schemas.microsoft.com/office/powerpoint/2010/main" val="1926413163"/>
       </p:ext>
     </p:extLst>
   </p:cSld>
@@ -5379,7 +5412,7 @@
           <p:cNvPr id="2" name="Titel 1">
             <a:extLst>
               <a:ext uri="{FF2B5EF4-FFF2-40B4-BE49-F238E27FC236}">
-                <a16:creationId xmlns:a16="http://schemas.microsoft.com/office/drawing/2014/main" id="{645AC5A1-8D6D-4EF8-8B72-F3794FD42898}"/>
+                <a16:creationId xmlns:a16="http://schemas.microsoft.com/office/drawing/2014/main" id="{527B4E9E-5D42-4AB4-A861-53CBBF5754AC}"/>
               </a:ext>
             </a:extLst>
           </p:cNvPr>
@@ -5395,10 +5428,9 @@
           <a:bodyPr/>
           <a:lstStyle/>
           <a:p>
-            <a:pPr algn="ctr"/>
             <a:r>
               <a:rPr lang="da-DK" dirty="0"/>
-              <a:t>Det agile manifest</a:t>
+              <a:t>Hvad er SCRUM?</a:t>
             </a:r>
           </a:p>
         </p:txBody>
@@ -5408,7 +5440,7 @@
           <p:cNvPr id="3" name="Pladsholder til indhold 2">
             <a:extLst>
               <a:ext uri="{FF2B5EF4-FFF2-40B4-BE49-F238E27FC236}">
-                <a16:creationId xmlns:a16="http://schemas.microsoft.com/office/drawing/2014/main" id="{53E31EF0-F966-443C-8A14-3213E521B6DA}"/>
+                <a16:creationId xmlns:a16="http://schemas.microsoft.com/office/drawing/2014/main" id="{2B4EB9CB-D46A-4FFE-8D5B-75EDDFFB8FBE}"/>
               </a:ext>
             </a:extLst>
           </p:cNvPr>
@@ -5424,51 +5456,31 @@
           <a:bodyPr/>
           <a:lstStyle/>
           <a:p>
-            <a:pPr algn="ctr" fontAlgn="ctr"/>
-            <a:r>
-              <a:rPr lang="da-DK" b="1" dirty="0"/>
-              <a:t>Individer og samarbejde </a:t>
-            </a:r>
             <a:r>
               <a:rPr lang="da-DK" dirty="0"/>
-              <a:t>frem for processer og værktøjer</a:t>
-            </a:r>
-          </a:p>
-          <a:p>
-            <a:pPr algn="ctr" fontAlgn="ctr"/>
-            <a:r>
-              <a:rPr lang="da-DK" b="1" dirty="0"/>
-              <a:t>Velfungerende software </a:t>
-            </a:r>
+              <a:t>Agil udviklingsmodel</a:t>
+            </a:r>
+          </a:p>
+          <a:p>
             <a:r>
               <a:rPr lang="da-DK" dirty="0"/>
-              <a:t>frem for omfattende dokumentation</a:t>
-            </a:r>
-          </a:p>
-          <a:p>
-            <a:pPr algn="ctr" fontAlgn="ctr"/>
-            <a:r>
-              <a:rPr lang="da-DK" b="1" dirty="0"/>
-              <a:t>Samarbejde med kunden </a:t>
-            </a:r>
+              <a:t>Selv organiserende team</a:t>
+            </a:r>
+          </a:p>
+          <a:p>
+            <a:pPr lvl="1"/>
             <a:r>
               <a:rPr lang="da-DK" dirty="0"/>
-              <a:t>frem for kontraktforhandling</a:t>
-            </a:r>
-          </a:p>
-          <a:p>
-            <a:pPr algn="ctr" fontAlgn="ctr"/>
-            <a:r>
-              <a:rPr lang="da-DK" b="1" dirty="0"/>
-              <a:t>Håndtering af forandringer </a:t>
-            </a:r>
+              <a:t>Roller</a:t>
+            </a:r>
+          </a:p>
+          <a:p>
             <a:r>
               <a:rPr lang="da-DK" dirty="0"/>
-              <a:t>frem for fastholdelse af en plan</a:t>
-            </a:r>
-          </a:p>
-          <a:p>
-            <a:pPr algn="ctr"/>
+              <a:t>Sprints</a:t>
+            </a:r>
+          </a:p>
+          <a:p>
             <a:endParaRPr lang="da-DK" dirty="0"/>
           </a:p>
         </p:txBody>
@@ -5476,7 +5488,7 @@
     </p:spTree>
     <p:extLst>
       <p:ext uri="{BB962C8B-B14F-4D97-AF65-F5344CB8AC3E}">
-        <p14:creationId xmlns:p14="http://schemas.microsoft.com/office/powerpoint/2010/main" val="1926413163"/>
+        <p14:creationId xmlns:p14="http://schemas.microsoft.com/office/powerpoint/2010/main" val="2841465188"/>
       </p:ext>
     </p:extLst>
   </p:cSld>
@@ -5519,18 +5531,19 @@
             <p:ph type="title"/>
           </p:nvPr>
         </p:nvSpPr>
-        <p:spPr/>
+        <p:spPr>
+          <a:xfrm>
+            <a:off x="1069848" y="484632"/>
+            <a:ext cx="10058400" cy="1609344"/>
+          </a:xfrm>
+        </p:spPr>
         <p:txBody>
           <a:bodyPr/>
           <a:lstStyle/>
           <a:p>
             <a:r>
-              <a:rPr lang="da-DK" dirty="0"/>
-              <a:t>Dette er </a:t>
-            </a:r>
-            <a:r>
-              <a:rPr lang="da-DK" dirty="0" err="1"/>
-              <a:t>scrum</a:t>
+              <a:rPr lang="da-DK"/>
+              <a:t>Aktører</a:t>
             </a:r>
             <a:endParaRPr lang="da-DK" dirty="0"/>
           </a:p>
@@ -5557,52 +5570,110 @@
           <a:bodyPr/>
           <a:lstStyle/>
           <a:p>
+            <a:endParaRPr lang="da-DK" dirty="0"/>
+          </a:p>
+          <a:p>
             <a:r>
               <a:rPr lang="da-DK" dirty="0"/>
-              <a:t>Start med at fortælle om idéen af SCRUM</a:t>
-            </a:r>
+              <a:t>Product </a:t>
+            </a:r>
+            <a:r>
+              <a:rPr lang="da-DK" dirty="0" err="1"/>
+              <a:t>owner</a:t>
+            </a:r>
+            <a:endParaRPr lang="da-DK" dirty="0"/>
+          </a:p>
+          <a:p>
+            <a:r>
+              <a:rPr lang="da-DK" sz="1400" dirty="0"/>
+              <a:t>Kundekrav</a:t>
+            </a:r>
+          </a:p>
+          <a:p>
+            <a:r>
+              <a:rPr lang="da-DK" sz="1400" dirty="0"/>
+              <a:t>Product </a:t>
+            </a:r>
+            <a:r>
+              <a:rPr lang="da-DK" sz="1400" dirty="0" err="1"/>
+              <a:t>backlog</a:t>
+            </a:r>
+            <a:endParaRPr lang="da-DK" sz="1400" dirty="0"/>
           </a:p>
           <a:p>
             <a:r>
               <a:rPr lang="da-DK" dirty="0"/>
-              <a:t>Hvorfor vælge SCRUM over andet? Ex Vandfaldsmodel</a:t>
-            </a:r>
+              <a:t>SCRUM master</a:t>
+            </a:r>
+          </a:p>
+          <a:p>
+            <a:r>
+              <a:rPr lang="da-DK" sz="1400" dirty="0"/>
+              <a:t>Medudvikler</a:t>
+            </a:r>
+          </a:p>
+          <a:p>
+            <a:r>
+              <a:rPr lang="da-DK" sz="1400" dirty="0"/>
+              <a:t>Arbejdsmiljø/</a:t>
+            </a:r>
+            <a:r>
+              <a:rPr lang="da-DK" sz="1400" dirty="0" err="1"/>
+              <a:t>timeboxing</a:t>
+            </a:r>
+            <a:endParaRPr lang="da-DK" sz="1400" dirty="0"/>
           </a:p>
           <a:p>
             <a:r>
               <a:rPr lang="da-DK" dirty="0"/>
-              <a:t>Hvad er en SPRINT? Hvad indeholder det? </a:t>
-            </a:r>
-          </a:p>
-          <a:p>
-            <a:pPr lvl="1"/>
-            <a:r>
-              <a:rPr lang="da-DK" dirty="0"/>
-              <a:t>Aktører</a:t>
-            </a:r>
-          </a:p>
-          <a:p>
-            <a:pPr lvl="1"/>
-            <a:r>
-              <a:rPr lang="da-DK" dirty="0"/>
-              <a:t>Hvilke begivenheder finder sted?</a:t>
-            </a:r>
-          </a:p>
-          <a:p>
-            <a:pPr lvl="1"/>
-            <a:endParaRPr lang="da-DK" dirty="0"/>
-          </a:p>
-          <a:p>
-            <a:endParaRPr lang="da-DK" dirty="0"/>
-          </a:p>
-          <a:p>
-            <a:endParaRPr lang="da-DK" dirty="0"/>
-          </a:p>
-          <a:p>
-            <a:endParaRPr lang="da-DK" dirty="0"/>
-          </a:p>
-        </p:txBody>
-      </p:sp>
+              <a:t>Development team</a:t>
+            </a:r>
+          </a:p>
+          <a:p>
+            <a:r>
+              <a:rPr lang="da-DK" sz="1400" dirty="0" err="1"/>
+              <a:t>Selvorganiserende</a:t>
+            </a:r>
+            <a:endParaRPr lang="da-DK" sz="1400" dirty="0"/>
+          </a:p>
+          <a:p>
+            <a:r>
+              <a:rPr lang="da-DK" sz="1400" dirty="0"/>
+              <a:t>Udviklere</a:t>
+            </a:r>
+          </a:p>
+        </p:txBody>
+      </p:sp>
+      <p:pic>
+        <p:nvPicPr>
+          <p:cNvPr id="4" name="Billede 3">
+            <a:extLst>
+              <a:ext uri="{FF2B5EF4-FFF2-40B4-BE49-F238E27FC236}">
+                <a16:creationId xmlns:a16="http://schemas.microsoft.com/office/drawing/2014/main" id="{2A37937E-BD99-42D8-A70C-5C72493D389C}"/>
+              </a:ext>
+            </a:extLst>
+          </p:cNvPr>
+          <p:cNvPicPr>
+            <a:picLocks noChangeAspect="1"/>
+          </p:cNvPicPr>
+          <p:nvPr/>
+        </p:nvPicPr>
+        <p:blipFill>
+          <a:blip r:embed="rId2"/>
+          <a:stretch>
+            <a:fillRect/>
+          </a:stretch>
+        </p:blipFill>
+        <p:spPr>
+          <a:xfrm>
+            <a:off x="6096000" y="2121408"/>
+            <a:ext cx="4324350" cy="3810000"/>
+          </a:xfrm>
+          <a:prstGeom prst="rect">
+            <a:avLst/>
+          </a:prstGeom>
+        </p:spPr>
+      </p:pic>
     </p:spTree>
     <p:extLst>
       <p:ext uri="{BB962C8B-B14F-4D97-AF65-F5344CB8AC3E}">
@@ -5638,6 +5709,320 @@
           <p:cNvPr id="2" name="Titel 1">
             <a:extLst>
               <a:ext uri="{FF2B5EF4-FFF2-40B4-BE49-F238E27FC236}">
+                <a16:creationId xmlns:a16="http://schemas.microsoft.com/office/drawing/2014/main" id="{75BA486B-35D5-4AF4-9195-191B032C5700}"/>
+              </a:ext>
+            </a:extLst>
+          </p:cNvPr>
+          <p:cNvSpPr>
+            <a:spLocks noGrp="1"/>
+          </p:cNvSpPr>
+          <p:nvPr>
+            <p:ph type="title"/>
+          </p:nvPr>
+        </p:nvSpPr>
+        <p:spPr/>
+        <p:txBody>
+          <a:bodyPr/>
+          <a:lstStyle/>
+          <a:p>
+            <a:r>
+              <a:rPr lang="da-DK" dirty="0"/>
+              <a:t>PRODUCT BACKLOG</a:t>
+            </a:r>
+          </a:p>
+        </p:txBody>
+      </p:sp>
+      <p:pic>
+        <p:nvPicPr>
+          <p:cNvPr id="6" name="Pladsholder til indhold 5" descr="Et billede, der indeholder skærmbillede&#10;&#10;Beskrivelse, der er oprettet med meget høj sikkerhed">
+            <a:extLst>
+              <a:ext uri="{FF2B5EF4-FFF2-40B4-BE49-F238E27FC236}">
+                <a16:creationId xmlns:a16="http://schemas.microsoft.com/office/drawing/2014/main" id="{5B687DB6-A1CA-4DED-BFF2-AAD10C467DDF}"/>
+              </a:ext>
+            </a:extLst>
+          </p:cNvPr>
+          <p:cNvPicPr>
+            <a:picLocks noGrp="1" noChangeAspect="1"/>
+          </p:cNvPicPr>
+          <p:nvPr>
+            <p:ph idx="1"/>
+          </p:nvPr>
+        </p:nvPicPr>
+        <p:blipFill>
+          <a:blip r:embed="rId2">
+            <a:extLst>
+              <a:ext uri="{28A0092B-C50C-407E-A947-70E740481C1C}">
+                <a14:useLocalDpi xmlns:a14="http://schemas.microsoft.com/office/drawing/2010/main" val="0"/>
+              </a:ext>
+            </a:extLst>
+          </a:blip>
+          <a:stretch>
+            <a:fillRect/>
+          </a:stretch>
+        </p:blipFill>
+        <p:spPr>
+          <a:xfrm>
+            <a:off x="3398308" y="2120900"/>
+            <a:ext cx="5401733" cy="4051300"/>
+          </a:xfrm>
+        </p:spPr>
+      </p:pic>
+    </p:spTree>
+    <p:extLst>
+      <p:ext uri="{BB962C8B-B14F-4D97-AF65-F5344CB8AC3E}">
+        <p14:creationId xmlns:p14="http://schemas.microsoft.com/office/powerpoint/2010/main" val="1400613256"/>
+      </p:ext>
+    </p:extLst>
+  </p:cSld>
+  <p:clrMapOvr>
+    <a:masterClrMapping/>
+  </p:clrMapOvr>
+</p:sld>
+</file>
+
+<file path=ppt/slides/slide6.xml><?xml version="1.0" encoding="utf-8"?>
+<p:sld xmlns:a="http://schemas.openxmlformats.org/drawingml/2006/main" xmlns:r="http://schemas.openxmlformats.org/officeDocument/2006/relationships" xmlns:p="http://schemas.openxmlformats.org/presentationml/2006/main">
+  <p:cSld>
+    <p:spTree>
+      <p:nvGrpSpPr>
+        <p:cNvPr id="1" name=""/>
+        <p:cNvGrpSpPr/>
+        <p:nvPr/>
+      </p:nvGrpSpPr>
+      <p:grpSpPr>
+        <a:xfrm>
+          <a:off x="0" y="0"/>
+          <a:ext cx="0" cy="0"/>
+          <a:chOff x="0" y="0"/>
+          <a:chExt cx="0" cy="0"/>
+        </a:xfrm>
+      </p:grpSpPr>
+      <p:sp>
+        <p:nvSpPr>
+          <p:cNvPr id="2" name="Titel 1">
+            <a:extLst>
+              <a:ext uri="{FF2B5EF4-FFF2-40B4-BE49-F238E27FC236}">
+                <a16:creationId xmlns:a16="http://schemas.microsoft.com/office/drawing/2014/main" id="{26CB0553-92C0-4708-93BB-C6A6D8330C36}"/>
+              </a:ext>
+            </a:extLst>
+          </p:cNvPr>
+          <p:cNvSpPr>
+            <a:spLocks noGrp="1"/>
+          </p:cNvSpPr>
+          <p:nvPr>
+            <p:ph type="title"/>
+          </p:nvPr>
+        </p:nvSpPr>
+        <p:spPr/>
+        <p:txBody>
+          <a:bodyPr/>
+          <a:lstStyle/>
+          <a:p>
+            <a:r>
+              <a:rPr lang="da-DK" dirty="0"/>
+              <a:t>SCRUM board</a:t>
+            </a:r>
+          </a:p>
+        </p:txBody>
+      </p:sp>
+      <p:pic>
+        <p:nvPicPr>
+          <p:cNvPr id="5" name="Pladsholder til indhold 4">
+            <a:extLst>
+              <a:ext uri="{FF2B5EF4-FFF2-40B4-BE49-F238E27FC236}">
+                <a16:creationId xmlns:a16="http://schemas.microsoft.com/office/drawing/2014/main" id="{615816D6-6420-4A50-85CC-0AF4962760A6}"/>
+              </a:ext>
+            </a:extLst>
+          </p:cNvPr>
+          <p:cNvPicPr>
+            <a:picLocks noGrp="1" noChangeAspect="1"/>
+          </p:cNvPicPr>
+          <p:nvPr>
+            <p:ph idx="1"/>
+          </p:nvPr>
+        </p:nvPicPr>
+        <p:blipFill>
+          <a:blip r:embed="rId2">
+            <a:extLst>
+              <a:ext uri="{28A0092B-C50C-407E-A947-70E740481C1C}">
+                <a14:useLocalDpi xmlns:a14="http://schemas.microsoft.com/office/drawing/2010/main" val="0"/>
+              </a:ext>
+            </a:extLst>
+          </a:blip>
+          <a:stretch>
+            <a:fillRect/>
+          </a:stretch>
+        </p:blipFill>
+        <p:spPr>
+          <a:xfrm>
+            <a:off x="3398308" y="2120900"/>
+            <a:ext cx="5401733" cy="4051300"/>
+          </a:xfrm>
+        </p:spPr>
+      </p:pic>
+    </p:spTree>
+    <p:extLst>
+      <p:ext uri="{BB962C8B-B14F-4D97-AF65-F5344CB8AC3E}">
+        <p14:creationId xmlns:p14="http://schemas.microsoft.com/office/powerpoint/2010/main" val="1428795771"/>
+      </p:ext>
+    </p:extLst>
+  </p:cSld>
+  <p:clrMapOvr>
+    <a:masterClrMapping/>
+  </p:clrMapOvr>
+</p:sld>
+</file>
+
+<file path=ppt/slides/slide7.xml><?xml version="1.0" encoding="utf-8"?>
+<p:sld xmlns:a="http://schemas.openxmlformats.org/drawingml/2006/main" xmlns:r="http://schemas.openxmlformats.org/officeDocument/2006/relationships" xmlns:p="http://schemas.openxmlformats.org/presentationml/2006/main">
+  <p:cSld>
+    <p:spTree>
+      <p:nvGrpSpPr>
+        <p:cNvPr id="1" name=""/>
+        <p:cNvGrpSpPr/>
+        <p:nvPr/>
+      </p:nvGrpSpPr>
+      <p:grpSpPr>
+        <a:xfrm>
+          <a:off x="0" y="0"/>
+          <a:ext cx="0" cy="0"/>
+          <a:chOff x="0" y="0"/>
+          <a:chExt cx="0" cy="0"/>
+        </a:xfrm>
+      </p:grpSpPr>
+      <p:sp>
+        <p:nvSpPr>
+          <p:cNvPr id="2" name="Titel 1">
+            <a:extLst>
+              <a:ext uri="{FF2B5EF4-FFF2-40B4-BE49-F238E27FC236}">
+                <a16:creationId xmlns:a16="http://schemas.microsoft.com/office/drawing/2014/main" id="{ABE28F47-DC34-4D79-B8A5-3DAD860488DF}"/>
+              </a:ext>
+            </a:extLst>
+          </p:cNvPr>
+          <p:cNvSpPr>
+            <a:spLocks noGrp="1"/>
+          </p:cNvSpPr>
+          <p:nvPr>
+            <p:ph type="title"/>
+          </p:nvPr>
+        </p:nvSpPr>
+        <p:spPr/>
+        <p:txBody>
+          <a:bodyPr/>
+          <a:lstStyle/>
+          <a:p>
+            <a:r>
+              <a:rPr lang="da-DK" dirty="0"/>
+              <a:t>SPRINT</a:t>
+            </a:r>
+          </a:p>
+        </p:txBody>
+      </p:sp>
+      <p:sp>
+        <p:nvSpPr>
+          <p:cNvPr id="3" name="Pladsholder til indhold 2">
+            <a:extLst>
+              <a:ext uri="{FF2B5EF4-FFF2-40B4-BE49-F238E27FC236}">
+                <a16:creationId xmlns:a16="http://schemas.microsoft.com/office/drawing/2014/main" id="{5E2611E2-ED67-4D52-9244-FD9E107DA3D9}"/>
+              </a:ext>
+            </a:extLst>
+          </p:cNvPr>
+          <p:cNvSpPr>
+            <a:spLocks noGrp="1"/>
+          </p:cNvSpPr>
+          <p:nvPr>
+            <p:ph idx="1"/>
+          </p:nvPr>
+        </p:nvSpPr>
+        <p:spPr/>
+        <p:txBody>
+          <a:bodyPr/>
+          <a:lstStyle/>
+          <a:p>
+            <a:r>
+              <a:rPr lang="da-DK" dirty="0"/>
+              <a:t>Sprint </a:t>
+            </a:r>
+            <a:r>
+              <a:rPr lang="da-DK" dirty="0" err="1"/>
+              <a:t>planning</a:t>
+            </a:r>
+            <a:endParaRPr lang="da-DK" dirty="0"/>
+          </a:p>
+          <a:p>
+            <a:r>
+              <a:rPr lang="da-DK" dirty="0" err="1"/>
+              <a:t>Daily</a:t>
+            </a:r>
+            <a:r>
+              <a:rPr lang="da-DK" dirty="0"/>
+              <a:t> </a:t>
+            </a:r>
+            <a:r>
+              <a:rPr lang="da-DK" dirty="0" err="1"/>
+              <a:t>Scrum</a:t>
+            </a:r>
+            <a:endParaRPr lang="da-DK" dirty="0"/>
+          </a:p>
+          <a:p>
+            <a:r>
+              <a:rPr lang="da-DK" dirty="0"/>
+              <a:t>Sprint </a:t>
+            </a:r>
+            <a:r>
+              <a:rPr lang="da-DK" dirty="0" err="1"/>
+              <a:t>review</a:t>
+            </a:r>
+            <a:endParaRPr lang="da-DK" dirty="0"/>
+          </a:p>
+          <a:p>
+            <a:r>
+              <a:rPr lang="da-DK" dirty="0"/>
+              <a:t>Sprint </a:t>
+            </a:r>
+            <a:r>
+              <a:rPr lang="da-DK" dirty="0" err="1"/>
+              <a:t>retrospective</a:t>
+            </a:r>
+            <a:endParaRPr lang="da-DK" dirty="0"/>
+          </a:p>
+        </p:txBody>
+      </p:sp>
+    </p:spTree>
+    <p:extLst>
+      <p:ext uri="{BB962C8B-B14F-4D97-AF65-F5344CB8AC3E}">
+        <p14:creationId xmlns:p14="http://schemas.microsoft.com/office/powerpoint/2010/main" val="2231095383"/>
+      </p:ext>
+    </p:extLst>
+  </p:cSld>
+  <p:clrMapOvr>
+    <a:masterClrMapping/>
+  </p:clrMapOvr>
+</p:sld>
+</file>
+
+<file path=ppt/slides/slide8.xml><?xml version="1.0" encoding="utf-8"?>
+<p:sld xmlns:a="http://schemas.openxmlformats.org/drawingml/2006/main" xmlns:r="http://schemas.openxmlformats.org/officeDocument/2006/relationships" xmlns:p="http://schemas.openxmlformats.org/presentationml/2006/main">
+  <p:cSld>
+    <p:spTree>
+      <p:nvGrpSpPr>
+        <p:cNvPr id="1" name=""/>
+        <p:cNvGrpSpPr/>
+        <p:nvPr/>
+      </p:nvGrpSpPr>
+      <p:grpSpPr>
+        <a:xfrm>
+          <a:off x="0" y="0"/>
+          <a:ext cx="0" cy="0"/>
+          <a:chOff x="0" y="0"/>
+          <a:chExt cx="0" cy="0"/>
+        </a:xfrm>
+      </p:grpSpPr>
+      <p:sp>
+        <p:nvSpPr>
+          <p:cNvPr id="2" name="Titel 1">
+            <a:extLst>
+              <a:ext uri="{FF2B5EF4-FFF2-40B4-BE49-F238E27FC236}">
                 <a16:creationId xmlns:a16="http://schemas.microsoft.com/office/drawing/2014/main" id="{15A0A27D-E073-48C7-9113-FB555433560F}"/>
               </a:ext>
             </a:extLst>
@@ -5695,6 +6080,115 @@
     <p:extLst>
       <p:ext uri="{BB962C8B-B14F-4D97-AF65-F5344CB8AC3E}">
         <p14:creationId xmlns:p14="http://schemas.microsoft.com/office/powerpoint/2010/main" val="1829011469"/>
+      </p:ext>
+    </p:extLst>
+  </p:cSld>
+  <p:clrMapOvr>
+    <a:masterClrMapping/>
+  </p:clrMapOvr>
+</p:sld>
+</file>
+
+<file path=ppt/slides/slide9.xml><?xml version="1.0" encoding="utf-8"?>
+<p:sld xmlns:a="http://schemas.openxmlformats.org/drawingml/2006/main" xmlns:r="http://schemas.openxmlformats.org/officeDocument/2006/relationships" xmlns:p="http://schemas.openxmlformats.org/presentationml/2006/main">
+  <p:cSld>
+    <p:spTree>
+      <p:nvGrpSpPr>
+        <p:cNvPr id="1" name=""/>
+        <p:cNvGrpSpPr/>
+        <p:nvPr/>
+      </p:nvGrpSpPr>
+      <p:grpSpPr>
+        <a:xfrm>
+          <a:off x="0" y="0"/>
+          <a:ext cx="0" cy="0"/>
+          <a:chOff x="0" y="0"/>
+          <a:chExt cx="0" cy="0"/>
+        </a:xfrm>
+      </p:grpSpPr>
+      <p:sp>
+        <p:nvSpPr>
+          <p:cNvPr id="2" name="Titel 1">
+            <a:extLst>
+              <a:ext uri="{FF2B5EF4-FFF2-40B4-BE49-F238E27FC236}">
+                <a16:creationId xmlns:a16="http://schemas.microsoft.com/office/drawing/2014/main" id="{9C7B0E24-18BC-43B1-B0B0-299F8E9FCF60}"/>
+              </a:ext>
+            </a:extLst>
+          </p:cNvPr>
+          <p:cNvSpPr>
+            <a:spLocks noGrp="1"/>
+          </p:cNvSpPr>
+          <p:nvPr>
+            <p:ph type="title"/>
+          </p:nvPr>
+        </p:nvSpPr>
+        <p:spPr/>
+        <p:txBody>
+          <a:bodyPr/>
+          <a:lstStyle/>
+          <a:p>
+            <a:pPr algn="ctr"/>
+            <a:r>
+              <a:rPr lang="da-DK" dirty="0" err="1"/>
+              <a:t>SCrum</a:t>
+            </a:r>
+            <a:endParaRPr lang="da-DK" dirty="0"/>
+          </a:p>
+        </p:txBody>
+      </p:sp>
+      <p:pic>
+        <p:nvPicPr>
+          <p:cNvPr id="1028" name="Picture 4" descr="The Agile - Scrum Framework &#10;Inputs from Executives, &#10;Team, Stakeholders, &#10;Customers, Users &#10;Product Owner &#10;Ranked &#10;is &#10;Product &#10;Backlog &#10;tiiå &#10;The Team &#10;starting at top &#10;as much as it &#10;to by &#10;end of Smirn &#10;Sprint &#10;Planning &#10;Meeting &#10;Breakout &#10;Sprint &#10;Ba Cklog &#10;Burndown/up &#10;Charts &#10;Scrum &#10;Em•y &#10;24 &#10;Week &#10;Sprint &#10;Sprint end date and &#10;team &#10;do cha &#10;Daily Scrum &#10;Meeting &#10;Sprint Review &#10;Finished work &#10;Sprint ">
+            <a:extLst>
+              <a:ext uri="{FF2B5EF4-FFF2-40B4-BE49-F238E27FC236}">
+                <a16:creationId xmlns:a16="http://schemas.microsoft.com/office/drawing/2014/main" id="{76D3956F-ADB5-4D33-BAB9-692BD6A4A5EB}"/>
+              </a:ext>
+            </a:extLst>
+          </p:cNvPr>
+          <p:cNvPicPr>
+            <a:picLocks noGrp="1" noChangeAspect="1" noChangeArrowheads="1"/>
+          </p:cNvPicPr>
+          <p:nvPr>
+            <p:ph idx="1"/>
+          </p:nvPr>
+        </p:nvPicPr>
+        <p:blipFill>
+          <a:blip r:embed="rId2">
+            <a:extLst>
+              <a:ext uri="{28A0092B-C50C-407E-A947-70E740481C1C}">
+                <a14:useLocalDpi xmlns:a14="http://schemas.microsoft.com/office/drawing/2010/main" val="0"/>
+              </a:ext>
+            </a:extLst>
+          </a:blip>
+          <a:srcRect/>
+          <a:stretch>
+            <a:fillRect/>
+          </a:stretch>
+        </p:blipFill>
+        <p:spPr bwMode="auto">
+          <a:xfrm>
+            <a:off x="2537254" y="1584674"/>
+            <a:ext cx="7117492" cy="4645191"/>
+          </a:xfrm>
+          <a:prstGeom prst="rect">
+            <a:avLst/>
+          </a:prstGeom>
+          <a:noFill/>
+          <a:extLst>
+            <a:ext uri="{909E8E84-426E-40DD-AFC4-6F175D3DCCD1}">
+              <a14:hiddenFill xmlns:a14="http://schemas.microsoft.com/office/drawing/2010/main">
+                <a:solidFill>
+                  <a:srgbClr val="FFFFFF"/>
+                </a:solidFill>
+              </a14:hiddenFill>
+            </a:ext>
+          </a:extLst>
+        </p:spPr>
+      </p:pic>
+    </p:spTree>
+    <p:extLst>
+      <p:ext uri="{BB962C8B-B14F-4D97-AF65-F5344CB8AC3E}">
+        <p14:creationId xmlns:p14="http://schemas.microsoft.com/office/powerpoint/2010/main" val="2716628984"/>
       </p:ext>
     </p:extLst>
   </p:cSld>

--- a/SCRUM-præsentation.pptx
+++ b/SCRUM-præsentation.pptx
@@ -5209,17 +5209,10 @@
           <a:lstStyle/>
           <a:p>
             <a:r>
-              <a:rPr lang="da-DK" dirty="0"/>
-              <a:t>SCRUM for </a:t>
-            </a:r>
-            <a:r>
-              <a:rPr lang="da-DK" dirty="0" err="1"/>
-              <a:t>dummies</a:t>
-            </a:r>
-            <a:r>
-              <a:rPr lang="da-DK" dirty="0"/>
-              <a:t> </a:t>
-            </a:r>
+              <a:rPr lang="da-DK"/>
+              <a:t>SCRUM </a:t>
+            </a:r>
+            <a:endParaRPr lang="da-DK" dirty="0"/>
           </a:p>
         </p:txBody>
       </p:sp>

--- a/SCRUM-præsentation.pptx
+++ b/SCRUM-præsentation.pptx
@@ -5461,13 +5461,6 @@
             </a:r>
           </a:p>
           <a:p>
-            <a:pPr lvl="1"/>
-            <a:r>
-              <a:rPr lang="da-DK" dirty="0"/>
-              <a:t>Roller</a:t>
-            </a:r>
-          </a:p>
-          <a:p>
             <a:r>
               <a:rPr lang="da-DK" dirty="0"/>
               <a:t>Sprints</a:t>

--- a/SCRUM-præsentation.pptx
+++ b/SCRUM-præsentation.pptx
@@ -5209,10 +5209,9 @@
           <a:lstStyle/>
           <a:p>
             <a:r>
-              <a:rPr lang="da-DK"/>
+              <a:rPr lang="da-DK" dirty="0"/>
               <a:t>SCRUM </a:t>
             </a:r>
-            <a:endParaRPr lang="da-DK" dirty="0"/>
           </a:p>
         </p:txBody>
       </p:sp>
@@ -5237,7 +5236,10 @@
           <a:bodyPr/>
           <a:lstStyle/>
           <a:p>
-            <a:endParaRPr lang="da-DK" dirty="0"/>
+            <a:r>
+              <a:rPr lang="da-DK" dirty="0"/>
+              <a:t>Christian, Matthias og Casper</a:t>
+            </a:r>
           </a:p>
         </p:txBody>
       </p:sp>
@@ -5251,6 +5253,18 @@
   <p:clrMapOvr>
     <a:masterClrMapping/>
   </p:clrMapOvr>
+  <mc:AlternateContent xmlns:mc="http://schemas.openxmlformats.org/markup-compatibility/2006">
+    <mc:Choice xmlns:p14="http://schemas.microsoft.com/office/powerpoint/2010/main" Requires="p14">
+      <p:transition spd="med" p14:dur="700">
+        <p:fade/>
+      </p:transition>
+    </mc:Choice>
+    <mc:Fallback>
+      <p:transition spd="med">
+        <p:fade/>
+      </p:transition>
+    </mc:Fallback>
+  </mc:AlternateContent>
 </p:sld>
 </file>
 
@@ -5380,6 +5394,18 @@
   <p:clrMapOvr>
     <a:masterClrMapping/>
   </p:clrMapOvr>
+  <mc:AlternateContent xmlns:mc="http://schemas.openxmlformats.org/markup-compatibility/2006">
+    <mc:Choice xmlns:p14="http://schemas.microsoft.com/office/powerpoint/2010/main" Requires="p14">
+      <p:transition spd="med" p14:dur="700">
+        <p:fade/>
+      </p:transition>
+    </mc:Choice>
+    <mc:Fallback>
+      <p:transition spd="med">
+        <p:fade/>
+      </p:transition>
+    </mc:Fallback>
+  </mc:AlternateContent>
 </p:sld>
 </file>
 
@@ -5481,6 +5507,18 @@
   <p:clrMapOvr>
     <a:masterClrMapping/>
   </p:clrMapOvr>
+  <mc:AlternateContent xmlns:mc="http://schemas.openxmlformats.org/markup-compatibility/2006">
+    <mc:Choice xmlns:p14="http://schemas.microsoft.com/office/powerpoint/2010/main" Requires="p14">
+      <p:transition spd="med" p14:dur="700">
+        <p:fade/>
+      </p:transition>
+    </mc:Choice>
+    <mc:Fallback>
+      <p:transition spd="med">
+        <p:fade/>
+      </p:transition>
+    </mc:Fallback>
+  </mc:AlternateContent>
 </p:sld>
 </file>
 
@@ -5670,6 +5708,18 @@
   <p:clrMapOvr>
     <a:masterClrMapping/>
   </p:clrMapOvr>
+  <mc:AlternateContent xmlns:mc="http://schemas.openxmlformats.org/markup-compatibility/2006">
+    <mc:Choice xmlns:p14="http://schemas.microsoft.com/office/powerpoint/2010/main" Requires="p14">
+      <p:transition spd="med" p14:dur="700">
+        <p:fade/>
+      </p:transition>
+    </mc:Choice>
+    <mc:Fallback>
+      <p:transition spd="med">
+        <p:fade/>
+      </p:transition>
+    </mc:Fallback>
+  </mc:AlternateContent>
 </p:sld>
 </file>
 
@@ -5748,7 +5798,7 @@
         </p:blipFill>
         <p:spPr>
           <a:xfrm>
-            <a:off x="3398308" y="2120900"/>
+            <a:off x="3395133" y="2093976"/>
             <a:ext cx="5401733" cy="4051300"/>
           </a:xfrm>
         </p:spPr>
@@ -5763,6 +5813,18 @@
   <p:clrMapOvr>
     <a:masterClrMapping/>
   </p:clrMapOvr>
+  <mc:AlternateContent xmlns:mc="http://schemas.openxmlformats.org/markup-compatibility/2006">
+    <mc:Choice xmlns:p14="http://schemas.microsoft.com/office/powerpoint/2010/main" Requires="p14">
+      <p:transition spd="med" p14:dur="700">
+        <p:fade/>
+      </p:transition>
+    </mc:Choice>
+    <mc:Fallback>
+      <p:transition spd="med">
+        <p:fade/>
+      </p:transition>
+    </mc:Fallback>
+  </mc:AlternateContent>
 </p:sld>
 </file>
 
@@ -5856,6 +5918,18 @@
   <p:clrMapOvr>
     <a:masterClrMapping/>
   </p:clrMapOvr>
+  <mc:AlternateContent xmlns:mc="http://schemas.openxmlformats.org/markup-compatibility/2006">
+    <mc:Choice xmlns:p14="http://schemas.microsoft.com/office/powerpoint/2010/main" Requires="p14">
+      <p:transition spd="med" p14:dur="700">
+        <p:fade/>
+      </p:transition>
+    </mc:Choice>
+    <mc:Fallback>
+      <p:transition spd="med">
+        <p:fade/>
+      </p:transition>
+    </mc:Fallback>
+  </mc:AlternateContent>
 </p:sld>
 </file>
 
@@ -5984,6 +6058,18 @@
   <p:clrMapOvr>
     <a:masterClrMapping/>
   </p:clrMapOvr>
+  <mc:AlternateContent xmlns:mc="http://schemas.openxmlformats.org/markup-compatibility/2006">
+    <mc:Choice xmlns:p14="http://schemas.microsoft.com/office/powerpoint/2010/main" Requires="p14">
+      <p:transition spd="med" p14:dur="700">
+        <p:fade/>
+      </p:transition>
+    </mc:Choice>
+    <mc:Fallback>
+      <p:transition spd="med">
+        <p:fade/>
+      </p:transition>
+    </mc:Fallback>
+  </mc:AlternateContent>
 </p:sld>
 </file>
 
@@ -6072,6 +6158,18 @@
   <p:clrMapOvr>
     <a:masterClrMapping/>
   </p:clrMapOvr>
+  <mc:AlternateContent xmlns:mc="http://schemas.openxmlformats.org/markup-compatibility/2006">
+    <mc:Choice xmlns:p14="http://schemas.microsoft.com/office/powerpoint/2010/main" Requires="p14">
+      <p:transition spd="med" p14:dur="700">
+        <p:fade/>
+      </p:transition>
+    </mc:Choice>
+    <mc:Fallback>
+      <p:transition spd="med">
+        <p:fade/>
+      </p:transition>
+    </mc:Fallback>
+  </mc:AlternateContent>
 </p:sld>
 </file>
 
@@ -6181,6 +6279,18 @@
   <p:clrMapOvr>
     <a:masterClrMapping/>
   </p:clrMapOvr>
+  <mc:AlternateContent xmlns:mc="http://schemas.openxmlformats.org/markup-compatibility/2006">
+    <mc:Choice xmlns:p14="http://schemas.microsoft.com/office/powerpoint/2010/main" Requires="p14">
+      <p:transition spd="med" p14:dur="700">
+        <p:fade/>
+      </p:transition>
+    </mc:Choice>
+    <mc:Fallback>
+      <p:transition spd="med">
+        <p:fade/>
+      </p:transition>
+    </mc:Fallback>
+  </mc:AlternateContent>
 </p:sld>
 </file>
 
